--- a/docs/GPW Analizer prezentacja techniczna.pptx
+++ b/docs/GPW Analizer prezentacja techniczna.pptx
@@ -159,7 +159,7 @@
   </p:defaultTextStyle>
   <p:extLst>
     <p:ext uri="{EFAFB233-063F-42B5-8137-9DF3F51BA10A}">
-      <p15:sldGuideLst xmlns:p15="http://schemas.microsoft.com/office/powerpoint/2012/main">
+      <p15:sldGuideLst xmlns:p15="http://schemas.microsoft.com/office/powerpoint/2012/main" xmlns="">
         <p15:guide id="1" orient="horz" pos="2160">
           <p15:clr>
             <a:srgbClr val="A4A3A4"/>
@@ -173,7 +173,7 @@
       </p15:sldGuideLst>
     </p:ext>
     <p:ext uri="{2D200454-40CA-4A62-9FC3-DE9A4176ACB9}">
-      <p15:notesGuideLst xmlns:p15="http://schemas.microsoft.com/office/powerpoint/2012/main">
+      <p15:notesGuideLst xmlns:p15="http://schemas.microsoft.com/office/powerpoint/2012/main" xmlns="">
         <p15:guide id="1" orient="horz" pos="3067">
           <p15:clr>
             <a:srgbClr val="A4A3A4"/>
@@ -272,7 +272,7 @@
           <a:p>
             <a:fld id="{600210A5-AD85-4E46-B700-98AA4416415C}" type="datetimeFigureOut">
               <a:rPr lang="pl-PL" smtClean="0"/>
-              <a:t>2013-12-11</a:t>
+              <a:t>11.12.2013</a:t>
             </a:fld>
             <a:endParaRPr lang="pl-PL"/>
           </a:p>
@@ -338,7 +338,7 @@
           <a:p>
             <a:fld id="{3ACA4F04-E909-4E01-9F9A-85D734BF78F2}" type="slidenum">
               <a:rPr lang="pl-PL" smtClean="0"/>
-              <a:t>‹#›</a:t>
+              <a:t>‹nr›</a:t>
             </a:fld>
             <a:endParaRPr lang="pl-PL"/>
           </a:p>
@@ -437,7 +437,7 @@
           <a:p>
             <a:fld id="{3EAF9944-9CA7-445B-BBA2-9BD773A7EADD}" type="datetimeFigureOut">
               <a:rPr lang="pl-PL" smtClean="0"/>
-              <a:t>2013-12-11</a:t>
+              <a:t>11.12.2013</a:t>
             </a:fld>
             <a:endParaRPr lang="pl-PL"/>
           </a:p>
@@ -596,7 +596,7 @@
           <a:p>
             <a:fld id="{47930C29-7364-4A00-8D93-FCC8871D58B2}" type="slidenum">
               <a:rPr lang="pl-PL" smtClean="0"/>
-              <a:t>‹#›</a:t>
+              <a:t>‹nr›</a:t>
             </a:fld>
             <a:endParaRPr lang="pl-PL"/>
           </a:p>
@@ -1584,7 +1584,6 @@
               <a:rPr lang="pl-PL" baseline="0" dirty="0" smtClean="0"/>
               <a:t>To ogólny podział członków zespołu do zadań projektowych. Kiedy któryś z nich potrzebował pomocy w swojej części, otrzymywał ją od pozostałych członków team’u.</a:t>
             </a:r>
-            <a:endParaRPr lang="pl-PL" baseline="0" dirty="0" smtClean="0"/>
           </a:p>
           <a:p>
             <a:endParaRPr lang="pl-PL" dirty="0"/>
@@ -1838,45 +1837,19 @@
             </a:r>
             <a:r>
               <a:rPr lang="pl-PL" baseline="0" dirty="0" smtClean="0"/>
-              <a:t>, który nie jest zbyt popularny, przez co nie znaleźliśmy środowiska, który zapewniłoby tak wiele funkcjonalności, jak środowiska w innych językach. Zdecydowaliśmy się zatem na Aptanę, a część z nas została przy Eclipsie z zainstalowaną wtyczką </a:t>
-            </a:r>
+              <a:t>, który nie jest zbyt popularny, przez co nie znaleźliśmy środowiska, który zapewniłoby tak wiele funkcjonalności, jak środowiska w innych językach. Zdecydowaliśmy się zatem na Aptanę, a część z nas została przy Eclipsie z zainstalowaną wtyczką Aptana.</a:t>
+            </a:r>
+          </a:p>
+          <a:p>
             <a:r>
               <a:rPr lang="pl-PL" baseline="0" dirty="0" smtClean="0"/>
-              <a:t>Aptana.</a:t>
-            </a:r>
-            <a:endParaRPr lang="pl-PL" baseline="0" dirty="0" smtClean="0"/>
+              <a:t>Programy, które zostały napisane w języku Java, powstały w NetBeans.</a:t>
+            </a:r>
           </a:p>
           <a:p>
             <a:r>
               <a:rPr lang="pl-PL" baseline="0" dirty="0" smtClean="0"/>
-              <a:t>Programy, które zostały napisane w </a:t>
-            </a:r>
-            <a:r>
-              <a:rPr lang="pl-PL" baseline="0" dirty="0" smtClean="0"/>
-              <a:t>języku Java, powstały </a:t>
-            </a:r>
-            <a:r>
-              <a:rPr lang="pl-PL" baseline="0" dirty="0" smtClean="0"/>
-              <a:t>w </a:t>
-            </a:r>
-            <a:r>
-              <a:rPr lang="pl-PL" baseline="0" dirty="0" smtClean="0"/>
-              <a:t>NetBeans.</a:t>
-            </a:r>
-            <a:endParaRPr lang="pl-PL" baseline="0" dirty="0" smtClean="0"/>
-          </a:p>
-          <a:p>
-            <a:r>
-              <a:rPr lang="pl-PL" baseline="0" dirty="0" smtClean="0"/>
-              <a:t>Wykorzystanym frameworkiem przy aplikacji webowej </a:t>
-            </a:r>
-            <a:r>
-              <a:rPr lang="pl-PL" baseline="0" dirty="0" smtClean="0"/>
-              <a:t>był gem o nazwie </a:t>
-            </a:r>
-            <a:r>
-              <a:rPr lang="pl-PL" baseline="0" dirty="0" smtClean="0"/>
-              <a:t>rails, natomiast część javowa powstała w pure java.</a:t>
+              <a:t>Wykorzystanym frameworkiem przy aplikacji webowej był gem o nazwie rails, natomiast część javowa powstała w pure java.</a:t>
             </a:r>
             <a:endParaRPr lang="pl-PL" dirty="0"/>
           </a:p>
@@ -3514,14 +3487,14 @@
             <a:noFill/>
           </a:ln>
           <a:extLst>
-            <a:ext uri="{909E8E84-426E-40DD-AFC4-6F175D3DCCD1}">
+            <a:ext uri="{909E8E84-426E-40dd-AFC4-6F175D3DCCD1}">
               <a14:hiddenFill xmlns:a14="http://schemas.microsoft.com/office/drawing/2010/main">
                 <a:solidFill>
                   <a:srgbClr val="FFFFFF"/>
                 </a:solidFill>
               </a14:hiddenFill>
             </a:ext>
-            <a:ext uri="{91240B29-F687-4F45-9708-019B960494DF}">
+            <a:ext uri="{91240B29-F687-4f45-9708-019B960494DF}">
               <a14:hiddenLine xmlns:a14="http://schemas.microsoft.com/office/drawing/2010/main" w="9525">
                 <a:solidFill>
                   <a:srgbClr val="000000"/>
@@ -3558,7 +3531,7 @@
           </a:ln>
           <a:effectLst/>
           <a:extLst>
-            <a:ext uri="{91240B29-F687-4F45-9708-019B960494DF}">
+            <a:ext uri="{91240B29-F687-4f45-9708-019B960494DF}">
               <a14:hiddenLine xmlns:a14="http://schemas.microsoft.com/office/drawing/2010/main" w="9525">
                 <a:solidFill>
                   <a:schemeClr val="tx1"/>
@@ -3568,7 +3541,7 @@
                 <a:tailEnd/>
               </a14:hiddenLine>
             </a:ext>
-            <a:ext uri="{AF507438-7753-43E0-B8FC-AC1667EBCBE1}">
+            <a:ext uri="{AF507438-7753-43e0-B8FC-AC1667EBCBE1}">
               <a14:hiddenEffects xmlns:a14="http://schemas.microsoft.com/office/drawing/2010/main">
                 <a:effectLst>
                   <a:outerShdw dist="35921" dir="2700000" algn="ctr" rotWithShape="0">
@@ -3688,7 +3661,7 @@
           </a:prstGeom>
           <a:noFill/>
           <a:extLst>
-            <a:ext uri="{909E8E84-426E-40DD-AFC4-6F175D3DCCD1}">
+            <a:ext uri="{909E8E84-426E-40dd-AFC4-6F175D3DCCD1}">
               <a14:hiddenFill xmlns:a14="http://schemas.microsoft.com/office/drawing/2010/main">
                 <a:solidFill>
                   <a:srgbClr val="FFFFFF"/>
@@ -3703,7 +3676,7 @@
   <p:clrMapOvr>
     <a:masterClrMapping/>
   </p:clrMapOvr>
-  <p:transition>
+  <p:transition xmlns:p14="http://schemas.microsoft.com/office/powerpoint/2010/main">
     <p:randomBar/>
   </p:transition>
 </p:sldLayout>
@@ -3811,7 +3784,7 @@
   <p:clrMapOvr>
     <a:masterClrMapping/>
   </p:clrMapOvr>
-  <p:transition>
+  <p:transition xmlns:p14="http://schemas.microsoft.com/office/powerpoint/2010/main">
     <p:randomBar/>
   </p:transition>
 </p:sldLayout>
@@ -3929,7 +3902,7 @@
   <p:clrMapOvr>
     <a:masterClrMapping/>
   </p:clrMapOvr>
-  <p:transition>
+  <p:transition xmlns:p14="http://schemas.microsoft.com/office/powerpoint/2010/main">
     <p:randomBar/>
   </p:transition>
 </p:sldLayout>
@@ -4037,7 +4010,7 @@
   <p:clrMapOvr>
     <a:masterClrMapping/>
   </p:clrMapOvr>
-  <p:transition>
+  <p:transition xmlns:p14="http://schemas.microsoft.com/office/powerpoint/2010/main">
     <p:randomBar/>
   </p:transition>
 </p:sldLayout>
@@ -4167,7 +4140,7 @@
   <p:clrMapOvr>
     <a:masterClrMapping/>
   </p:clrMapOvr>
-  <p:transition>
+  <p:transition xmlns:p14="http://schemas.microsoft.com/office/powerpoint/2010/main">
     <p:randomBar/>
   </p:transition>
 </p:sldLayout>
@@ -4393,7 +4366,7 @@
   <p:clrMapOvr>
     <a:masterClrMapping/>
   </p:clrMapOvr>
-  <p:transition>
+  <p:transition xmlns:p14="http://schemas.microsoft.com/office/powerpoint/2010/main">
     <p:randomBar/>
   </p:transition>
 </p:sldLayout>
@@ -4758,7 +4731,7 @@
   <p:clrMapOvr>
     <a:masterClrMapping/>
   </p:clrMapOvr>
-  <p:transition>
+  <p:transition xmlns:p14="http://schemas.microsoft.com/office/powerpoint/2010/main">
     <p:randomBar/>
   </p:transition>
 </p:sldLayout>
@@ -4814,7 +4787,7 @@
   <p:clrMapOvr>
     <a:masterClrMapping/>
   </p:clrMapOvr>
-  <p:transition>
+  <p:transition xmlns:p14="http://schemas.microsoft.com/office/powerpoint/2010/main">
     <p:randomBar/>
   </p:transition>
 </p:sldLayout>
@@ -4847,7 +4820,7 @@
   <p:clrMapOvr>
     <a:masterClrMapping/>
   </p:clrMapOvr>
-  <p:transition>
+  <p:transition xmlns:p14="http://schemas.microsoft.com/office/powerpoint/2010/main">
     <p:randomBar/>
   </p:transition>
 </p:sldLayout>
@@ -5062,7 +5035,7 @@
   <p:clrMapOvr>
     <a:masterClrMapping/>
   </p:clrMapOvr>
-  <p:transition>
+  <p:transition xmlns:p14="http://schemas.microsoft.com/office/powerpoint/2010/main">
     <p:randomBar/>
   </p:transition>
 </p:sldLayout>
@@ -5257,7 +5230,7 @@
   <p:clrMapOvr>
     <a:masterClrMapping/>
   </p:clrMapOvr>
-  <p:transition>
+  <p:transition xmlns:p14="http://schemas.microsoft.com/office/powerpoint/2010/main">
     <p:randomBar/>
   </p:transition>
 </p:sldLayout>
@@ -5312,7 +5285,7 @@
           </a:ln>
           <a:effectLst/>
           <a:extLst>
-            <a:ext uri="{91240B29-F687-4F45-9708-019B960494DF}">
+            <a:ext uri="{91240B29-F687-4f45-9708-019B960494DF}">
               <a14:hiddenLine xmlns:a14="http://schemas.microsoft.com/office/drawing/2010/main" w="9525">
                 <a:solidFill>
                   <a:schemeClr val="tx1"/>
@@ -5322,7 +5295,7 @@
                 <a:tailEnd/>
               </a14:hiddenLine>
             </a:ext>
-            <a:ext uri="{AF507438-7753-43E0-B8FC-AC1667EBCBE1}">
+            <a:ext uri="{AF507438-7753-43e0-B8FC-AC1667EBCBE1}">
               <a14:hiddenEffects xmlns:a14="http://schemas.microsoft.com/office/drawing/2010/main">
                 <a:effectLst>
                   <a:outerShdw dist="35921" dir="2700000" algn="ctr" rotWithShape="0">
@@ -5365,7 +5338,7 @@
           </a:ln>
           <a:effectLst/>
           <a:extLst>
-            <a:ext uri="{91240B29-F687-4F45-9708-019B960494DF}">
+            <a:ext uri="{91240B29-F687-4f45-9708-019B960494DF}">
               <a14:hiddenLine xmlns:a14="http://schemas.microsoft.com/office/drawing/2010/main" w="9525">
                 <a:solidFill>
                   <a:schemeClr val="tx1"/>
@@ -5375,7 +5348,7 @@
                 <a:tailEnd/>
               </a14:hiddenLine>
             </a:ext>
-            <a:ext uri="{AF507438-7753-43E0-B8FC-AC1667EBCBE1}">
+            <a:ext uri="{AF507438-7753-43e0-B8FC-AC1667EBCBE1}">
               <a14:hiddenEffects xmlns:a14="http://schemas.microsoft.com/office/drawing/2010/main">
                 <a:effectLst>
                   <a:outerShdw dist="35921" dir="2700000" algn="ctr" rotWithShape="0">
@@ -5418,14 +5391,14 @@
           </a:ln>
           <a:effectLst/>
           <a:extLst>
-            <a:ext uri="{909E8E84-426E-40DD-AFC4-6F175D3DCCD1}">
+            <a:ext uri="{909E8E84-426E-40dd-AFC4-6F175D3DCCD1}">
               <a14:hiddenFill xmlns:a14="http://schemas.microsoft.com/office/drawing/2010/main">
                 <a:solidFill>
                   <a:schemeClr val="accent1"/>
                 </a:solidFill>
               </a14:hiddenFill>
             </a:ext>
-            <a:ext uri="{91240B29-F687-4F45-9708-019B960494DF}">
+            <a:ext uri="{91240B29-F687-4f45-9708-019B960494DF}">
               <a14:hiddenLine xmlns:a14="http://schemas.microsoft.com/office/drawing/2010/main" w="9525">
                 <a:solidFill>
                   <a:schemeClr val="tx1"/>
@@ -5435,7 +5408,7 @@
                 <a:tailEnd/>
               </a14:hiddenLine>
             </a:ext>
-            <a:ext uri="{AF507438-7753-43E0-B8FC-AC1667EBCBE1}">
+            <a:ext uri="{AF507438-7753-43e0-B8FC-AC1667EBCBE1}">
               <a14:hiddenEffects xmlns:a14="http://schemas.microsoft.com/office/drawing/2010/main">
                 <a:effectLst>
                   <a:outerShdw dist="35921" dir="2700000" algn="ctr" rotWithShape="0">
@@ -5486,14 +5459,14 @@
           </a:ln>
           <a:effectLst/>
           <a:extLst>
-            <a:ext uri="{909E8E84-426E-40DD-AFC4-6F175D3DCCD1}">
+            <a:ext uri="{909E8E84-426E-40dd-AFC4-6F175D3DCCD1}">
               <a14:hiddenFill xmlns:a14="http://schemas.microsoft.com/office/drawing/2010/main">
                 <a:solidFill>
                   <a:schemeClr val="accent1"/>
                 </a:solidFill>
               </a14:hiddenFill>
             </a:ext>
-            <a:ext uri="{91240B29-F687-4F45-9708-019B960494DF}">
+            <a:ext uri="{91240B29-F687-4f45-9708-019B960494DF}">
               <a14:hiddenLine xmlns:a14="http://schemas.microsoft.com/office/drawing/2010/main" w="9525">
                 <a:solidFill>
                   <a:schemeClr val="tx1"/>
@@ -5503,7 +5476,7 @@
                 <a:tailEnd/>
               </a14:hiddenLine>
             </a:ext>
-            <a:ext uri="{AF507438-7753-43E0-B8FC-AC1667EBCBE1}">
+            <a:ext uri="{AF507438-7753-43e0-B8FC-AC1667EBCBE1}">
               <a14:hiddenEffects xmlns:a14="http://schemas.microsoft.com/office/drawing/2010/main">
                 <a:effectLst>
                   <a:outerShdw dist="35921" dir="2700000" algn="ctr" rotWithShape="0">
@@ -5589,7 +5562,7 @@
           </a:prstGeom>
           <a:noFill/>
           <a:extLst>
-            <a:ext uri="{909E8E84-426E-40DD-AFC4-6F175D3DCCD1}">
+            <a:ext uri="{909E8E84-426E-40dd-AFC4-6F175D3DCCD1}">
               <a14:hiddenFill xmlns:a14="http://schemas.microsoft.com/office/drawing/2010/main">
                 <a:solidFill>
                   <a:srgbClr val="FFFFFF"/>
@@ -5615,7 +5588,7 @@
     <p:sldLayoutId id="2147483659" r:id="rId10"/>
     <p:sldLayoutId id="2147483660" r:id="rId11"/>
   </p:sldLayoutIdLst>
-  <p:transition>
+  <p:transition xmlns:p14="http://schemas.microsoft.com/office/powerpoint/2010/main">
     <p:randomBar/>
   </p:transition>
   <p:hf hdr="0" ftr="0" dt="0"/>
@@ -6104,13 +6077,13 @@
   <p:clrMapOvr>
     <a:masterClrMapping/>
   </p:clrMapOvr>
-  <p:transition>
+  <p:transition xmlns:p14="http://schemas.microsoft.com/office/powerpoint/2010/main">
     <p:randomBar/>
   </p:transition>
   <p:timing>
     <p:tnLst>
       <p:par>
-        <p:cTn id="1" dur="indefinite" restart="never" nodeType="tmRoot"/>
+        <p:cTn xmlns:p14="http://schemas.microsoft.com/office/powerpoint/2010/main" id="1" dur="indefinite" restart="never" nodeType="tmRoot"/>
       </p:par>
     </p:tnLst>
   </p:timing>
@@ -6165,7 +6138,7 @@
           </a:prstGeom>
           <a:noFill/>
           <a:extLst>
-            <a:ext uri="{909E8E84-426E-40DD-AFC4-6F175D3DCCD1}">
+            <a:ext uri="{909E8E84-426E-40dd-AFC4-6F175D3DCCD1}">
               <a14:hiddenFill xmlns:a14="http://schemas.microsoft.com/office/drawing/2010/main">
                 <a:solidFill>
                   <a:srgbClr val="FFFFFF"/>
@@ -6282,13 +6255,13 @@
   <p:clrMapOvr>
     <a:masterClrMapping/>
   </p:clrMapOvr>
-  <p:transition>
+  <p:transition xmlns:p14="http://schemas.microsoft.com/office/powerpoint/2010/main">
     <p:randomBar/>
   </p:transition>
   <p:timing>
     <p:tnLst>
       <p:par>
-        <p:cTn id="1" dur="indefinite" restart="never" nodeType="tmRoot"/>
+        <p:cTn xmlns:p14="http://schemas.microsoft.com/office/powerpoint/2010/main" id="1" dur="indefinite" restart="never" nodeType="tmRoot"/>
       </p:par>
     </p:tnLst>
   </p:timing>
@@ -6343,7 +6316,7 @@
           </a:prstGeom>
           <a:noFill/>
           <a:extLst>
-            <a:ext uri="{909E8E84-426E-40DD-AFC4-6F175D3DCCD1}">
+            <a:ext uri="{909E8E84-426E-40dd-AFC4-6F175D3DCCD1}">
               <a14:hiddenFill xmlns:a14="http://schemas.microsoft.com/office/drawing/2010/main">
                 <a:solidFill>
                   <a:srgbClr val="FFFFFF"/>
@@ -6460,13 +6433,13 @@
   <p:clrMapOvr>
     <a:masterClrMapping/>
   </p:clrMapOvr>
-  <p:transition>
+  <p:transition xmlns:p14="http://schemas.microsoft.com/office/powerpoint/2010/main">
     <p:randomBar/>
   </p:transition>
   <p:timing>
     <p:tnLst>
       <p:par>
-        <p:cTn id="1" dur="indefinite" restart="never" nodeType="tmRoot"/>
+        <p:cTn xmlns:p14="http://schemas.microsoft.com/office/powerpoint/2010/main" id="1" dur="indefinite" restart="never" nodeType="tmRoot"/>
       </p:par>
     </p:tnLst>
   </p:timing>
@@ -6593,7 +6566,7 @@
   <p:clrMapOvr>
     <a:masterClrMapping/>
   </p:clrMapOvr>
-  <p:transition>
+  <p:transition xmlns:p14="http://schemas.microsoft.com/office/powerpoint/2010/main">
     <p:randomBar/>
   </p:transition>
 </p:sld>
@@ -6674,14 +6647,14 @@
           </a:ln>
           <a:effectLst/>
           <a:extLst>
-            <a:ext uri="{909E8E84-426E-40DD-AFC4-6F175D3DCCD1}">
+            <a:ext uri="{909E8E84-426E-40dd-AFC4-6F175D3DCCD1}">
               <a14:hiddenFill xmlns:a14="http://schemas.microsoft.com/office/drawing/2010/main">
                 <a:solidFill>
                   <a:schemeClr val="accent1"/>
                 </a:solidFill>
               </a14:hiddenFill>
             </a:ext>
-            <a:ext uri="{91240B29-F687-4F45-9708-019B960494DF}">
+            <a:ext uri="{91240B29-F687-4f45-9708-019B960494DF}">
               <a14:hiddenLine xmlns:a14="http://schemas.microsoft.com/office/drawing/2010/main" w="9525">
                 <a:solidFill>
                   <a:schemeClr val="tx1"/>
@@ -6691,7 +6664,7 @@
                 <a:tailEnd/>
               </a14:hiddenLine>
             </a:ext>
-            <a:ext uri="{AF507438-7753-43E0-B8FC-AC1667EBCBE1}">
+            <a:ext uri="{AF507438-7753-43e0-B8FC-AC1667EBCBE1}">
               <a14:hiddenEffects xmlns:a14="http://schemas.microsoft.com/office/drawing/2010/main">
                 <a:effectLst>
                   <a:outerShdw dist="35921" dir="2700000" algn="ctr" rotWithShape="0">
@@ -6713,7 +6686,7 @@
   <p:clrMapOvr>
     <a:masterClrMapping/>
   </p:clrMapOvr>
-  <p:transition>
+  <p:transition xmlns:p14="http://schemas.microsoft.com/office/powerpoint/2010/main">
     <p:randomBar/>
   </p:transition>
 </p:sld>
@@ -6793,14 +6766,14 @@
           </a:ln>
           <a:effectLst/>
           <a:extLst>
-            <a:ext uri="{909E8E84-426E-40DD-AFC4-6F175D3DCCD1}">
+            <a:ext uri="{909E8E84-426E-40dd-AFC4-6F175D3DCCD1}">
               <a14:hiddenFill xmlns:a14="http://schemas.microsoft.com/office/drawing/2010/main">
                 <a:solidFill>
                   <a:schemeClr val="accent1"/>
                 </a:solidFill>
               </a14:hiddenFill>
             </a:ext>
-            <a:ext uri="{91240B29-F687-4F45-9708-019B960494DF}">
+            <a:ext uri="{91240B29-F687-4f45-9708-019B960494DF}">
               <a14:hiddenLine xmlns:a14="http://schemas.microsoft.com/office/drawing/2010/main" w="9525">
                 <a:solidFill>
                   <a:schemeClr val="tx1"/>
@@ -6810,7 +6783,7 @@
                 <a:tailEnd/>
               </a14:hiddenLine>
             </a:ext>
-            <a:ext uri="{AF507438-7753-43E0-B8FC-AC1667EBCBE1}">
+            <a:ext uri="{AF507438-7753-43e0-B8FC-AC1667EBCBE1}">
               <a14:hiddenEffects xmlns:a14="http://schemas.microsoft.com/office/drawing/2010/main">
                 <a:effectLst>
                   <a:outerShdw dist="35921" dir="2700000" algn="ctr" rotWithShape="0">
@@ -6857,14 +6830,14 @@
           </a:ln>
           <a:effectLst/>
           <a:extLst>
-            <a:ext uri="{909E8E84-426E-40DD-AFC4-6F175D3DCCD1}">
+            <a:ext uri="{909E8E84-426E-40dd-AFC4-6F175D3DCCD1}">
               <a14:hiddenFill xmlns:a14="http://schemas.microsoft.com/office/drawing/2010/main">
                 <a:solidFill>
                   <a:schemeClr val="accent1"/>
                 </a:solidFill>
               </a14:hiddenFill>
             </a:ext>
-            <a:ext uri="{91240B29-F687-4F45-9708-019B960494DF}">
+            <a:ext uri="{91240B29-F687-4f45-9708-019B960494DF}">
               <a14:hiddenLine xmlns:a14="http://schemas.microsoft.com/office/drawing/2010/main" w="9525">
                 <a:solidFill>
                   <a:schemeClr val="tx1"/>
@@ -6874,7 +6847,7 @@
                 <a:tailEnd/>
               </a14:hiddenLine>
             </a:ext>
-            <a:ext uri="{AF507438-7753-43E0-B8FC-AC1667EBCBE1}">
+            <a:ext uri="{AF507438-7753-43e0-B8FC-AC1667EBCBE1}">
               <a14:hiddenEffects xmlns:a14="http://schemas.microsoft.com/office/drawing/2010/main">
                 <a:effectLst>
                   <a:outerShdw dist="35921" dir="2700000" algn="ctr" rotWithShape="0">
@@ -6896,7 +6869,7 @@
   <p:clrMapOvr>
     <a:masterClrMapping/>
   </p:clrMapOvr>
-  <p:transition>
+  <p:transition xmlns:p14="http://schemas.microsoft.com/office/powerpoint/2010/main">
     <p:randomBar/>
   </p:transition>
 </p:sld>
@@ -6976,14 +6949,14 @@
           </a:ln>
           <a:effectLst/>
           <a:extLst>
-            <a:ext uri="{909E8E84-426E-40DD-AFC4-6F175D3DCCD1}">
+            <a:ext uri="{909E8E84-426E-40dd-AFC4-6F175D3DCCD1}">
               <a14:hiddenFill xmlns:a14="http://schemas.microsoft.com/office/drawing/2010/main">
                 <a:solidFill>
                   <a:schemeClr val="accent1"/>
                 </a:solidFill>
               </a14:hiddenFill>
             </a:ext>
-            <a:ext uri="{91240B29-F687-4F45-9708-019B960494DF}">
+            <a:ext uri="{91240B29-F687-4f45-9708-019B960494DF}">
               <a14:hiddenLine xmlns:a14="http://schemas.microsoft.com/office/drawing/2010/main" w="9525">
                 <a:solidFill>
                   <a:schemeClr val="tx1"/>
@@ -6993,7 +6966,7 @@
                 <a:tailEnd/>
               </a14:hiddenLine>
             </a:ext>
-            <a:ext uri="{AF507438-7753-43E0-B8FC-AC1667EBCBE1}">
+            <a:ext uri="{AF507438-7753-43e0-B8FC-AC1667EBCBE1}">
               <a14:hiddenEffects xmlns:a14="http://schemas.microsoft.com/office/drawing/2010/main">
                 <a:effectLst>
                   <a:outerShdw dist="35921" dir="2700000" algn="ctr" rotWithShape="0">
@@ -7040,14 +7013,14 @@
           </a:ln>
           <a:effectLst/>
           <a:extLst>
-            <a:ext uri="{909E8E84-426E-40DD-AFC4-6F175D3DCCD1}">
+            <a:ext uri="{909E8E84-426E-40dd-AFC4-6F175D3DCCD1}">
               <a14:hiddenFill xmlns:a14="http://schemas.microsoft.com/office/drawing/2010/main">
                 <a:solidFill>
                   <a:schemeClr val="accent1"/>
                 </a:solidFill>
               </a14:hiddenFill>
             </a:ext>
-            <a:ext uri="{91240B29-F687-4F45-9708-019B960494DF}">
+            <a:ext uri="{91240B29-F687-4f45-9708-019B960494DF}">
               <a14:hiddenLine xmlns:a14="http://schemas.microsoft.com/office/drawing/2010/main" w="9525">
                 <a:solidFill>
                   <a:schemeClr val="tx1"/>
@@ -7057,7 +7030,7 @@
                 <a:tailEnd/>
               </a14:hiddenLine>
             </a:ext>
-            <a:ext uri="{AF507438-7753-43E0-B8FC-AC1667EBCBE1}">
+            <a:ext uri="{AF507438-7753-43e0-B8FC-AC1667EBCBE1}">
               <a14:hiddenEffects xmlns:a14="http://schemas.microsoft.com/office/drawing/2010/main">
                 <a:effectLst>
                   <a:outerShdw dist="35921" dir="2700000" algn="ctr" rotWithShape="0">
@@ -7079,7 +7052,7 @@
   <p:clrMapOvr>
     <a:masterClrMapping/>
   </p:clrMapOvr>
-  <p:transition>
+  <p:transition xmlns:p14="http://schemas.microsoft.com/office/powerpoint/2010/main">
     <p:randomBar/>
   </p:transition>
 </p:sld>
@@ -7159,14 +7132,14 @@
           </a:ln>
           <a:effectLst/>
           <a:extLst>
-            <a:ext uri="{909E8E84-426E-40DD-AFC4-6F175D3DCCD1}">
+            <a:ext uri="{909E8E84-426E-40dd-AFC4-6F175D3DCCD1}">
               <a14:hiddenFill xmlns:a14="http://schemas.microsoft.com/office/drawing/2010/main">
                 <a:solidFill>
                   <a:schemeClr val="accent1"/>
                 </a:solidFill>
               </a14:hiddenFill>
             </a:ext>
-            <a:ext uri="{91240B29-F687-4F45-9708-019B960494DF}">
+            <a:ext uri="{91240B29-F687-4f45-9708-019B960494DF}">
               <a14:hiddenLine xmlns:a14="http://schemas.microsoft.com/office/drawing/2010/main" w="9525">
                 <a:solidFill>
                   <a:schemeClr val="tx1"/>
@@ -7176,7 +7149,7 @@
                 <a:tailEnd/>
               </a14:hiddenLine>
             </a:ext>
-            <a:ext uri="{AF507438-7753-43E0-B8FC-AC1667EBCBE1}">
+            <a:ext uri="{AF507438-7753-43e0-B8FC-AC1667EBCBE1}">
               <a14:hiddenEffects xmlns:a14="http://schemas.microsoft.com/office/drawing/2010/main">
                 <a:effectLst>
                   <a:outerShdw dist="35921" dir="2700000" algn="ctr" rotWithShape="0">
@@ -7198,7 +7171,7 @@
   <p:clrMapOvr>
     <a:masterClrMapping/>
   </p:clrMapOvr>
-  <p:transition>
+  <p:transition xmlns:p14="http://schemas.microsoft.com/office/powerpoint/2010/main">
     <p:randomBar/>
   </p:transition>
 </p:sld>
@@ -7331,7 +7304,7 @@
           </a:prstGeom>
           <a:noFill/>
           <a:extLst>
-            <a:ext uri="{909E8E84-426E-40DD-AFC4-6F175D3DCCD1}">
+            <a:ext uri="{909E8E84-426E-40dd-AFC4-6F175D3DCCD1}">
               <a14:hiddenFill xmlns:a14="http://schemas.microsoft.com/office/drawing/2010/main">
                 <a:solidFill>
                   <a:srgbClr val="FFFFFF"/>
@@ -7351,7 +7324,7 @@
   <p:clrMapOvr>
     <a:masterClrMapping/>
   </p:clrMapOvr>
-  <p:transition>
+  <p:transition xmlns:p14="http://schemas.microsoft.com/office/powerpoint/2010/main">
     <p:randomBar/>
   </p:transition>
 </p:sld>
@@ -7426,7 +7399,7 @@
   <p:clrMapOvr>
     <a:masterClrMapping/>
   </p:clrMapOvr>
-  <p:transition>
+  <p:transition xmlns:p14="http://schemas.microsoft.com/office/powerpoint/2010/main">
     <p:randomBar/>
   </p:transition>
 </p:sld>
@@ -7482,12 +7455,65 @@
             <p:ph idx="1"/>
           </p:nvPr>
         </p:nvSpPr>
-        <p:spPr/>
+        <p:spPr>
+          <a:xfrm>
+            <a:off x="611188" y="1881189"/>
+            <a:ext cx="8424862" cy="4644156"/>
+          </a:xfrm>
+        </p:spPr>
         <p:txBody>
           <a:bodyPr/>
           <a:lstStyle/>
           <a:p>
-            <a:endParaRPr lang="pl-PL"/>
+            <a:r>
+              <a:rPr lang="pl-PL" sz="2800" dirty="0" smtClean="0"/>
+              <a:t>Metodologia tworzenia projektu</a:t>
+            </a:r>
+          </a:p>
+          <a:p>
+            <a:r>
+              <a:rPr lang="pl-PL" sz="2800" dirty="0" smtClean="0"/>
+              <a:t>Nasza aplikacja</a:t>
+            </a:r>
+          </a:p>
+          <a:p>
+            <a:r>
+              <a:rPr lang="pl-PL" sz="2800" dirty="0" smtClean="0"/>
+              <a:t>Podział pracy</a:t>
+            </a:r>
+          </a:p>
+          <a:p>
+            <a:r>
+              <a:rPr lang="pl-PL" sz="2800" dirty="0" smtClean="0"/>
+              <a:t>Założenia aplikacji</a:t>
+            </a:r>
+          </a:p>
+          <a:p>
+            <a:r>
+              <a:rPr lang="pl-PL" sz="2800" dirty="0" smtClean="0"/>
+              <a:t>Środowiska programistyczne</a:t>
+            </a:r>
+          </a:p>
+          <a:p>
+            <a:r>
+              <a:rPr lang="pl-PL" sz="2800" dirty="0" smtClean="0"/>
+              <a:t>Zaawansowane technologie</a:t>
+            </a:r>
+          </a:p>
+          <a:p>
+            <a:r>
+              <a:rPr lang="pl-PL" sz="2800" dirty="0" smtClean="0"/>
+              <a:t>Jak patrzyliśmy na projekt przed rozpoczęciem i po zakończeniu?</a:t>
+            </a:r>
+          </a:p>
+          <a:p>
+            <a:r>
+              <a:rPr lang="pl-PL" sz="2800" dirty="0" smtClean="0"/>
+              <a:t>Czy to się sprawdza?</a:t>
+            </a:r>
+          </a:p>
+          <a:p>
+            <a:endParaRPr lang="pl-PL" sz="2800" dirty="0"/>
           </a:p>
         </p:txBody>
       </p:sp>
@@ -7501,13 +7527,13 @@
   <p:clrMapOvr>
     <a:masterClrMapping/>
   </p:clrMapOvr>
-  <p:transition>
+  <p:transition xmlns:p14="http://schemas.microsoft.com/office/powerpoint/2010/main">
     <p:randomBar/>
   </p:transition>
   <p:timing>
     <p:tnLst>
       <p:par>
-        <p:cTn id="1" dur="indefinite" restart="never" nodeType="tmRoot"/>
+        <p:cTn xmlns:p14="http://schemas.microsoft.com/office/powerpoint/2010/main" id="1" dur="indefinite" restart="never" nodeType="tmRoot"/>
       </p:par>
     </p:tnLst>
   </p:timing>
@@ -7562,7 +7588,7 @@
           </a:prstGeom>
           <a:noFill/>
           <a:extLst>
-            <a:ext uri="{909E8E84-426E-40DD-AFC4-6F175D3DCCD1}">
+            <a:ext uri="{909E8E84-426E-40dd-AFC4-6F175D3DCCD1}">
               <a14:hiddenFill xmlns:a14="http://schemas.microsoft.com/office/drawing/2010/main">
                 <a:solidFill>
                   <a:srgbClr val="FFFFFF"/>
@@ -7635,15 +7661,7 @@
           <a:p>
             <a:r>
               <a:rPr lang="pl-PL" dirty="0" smtClean="0"/>
-              <a:t>Początek </a:t>
-            </a:r>
-            <a:r>
-              <a:rPr lang="pl-PL" dirty="0" smtClean="0"/>
-              <a:t>sprintu planowaniem </a:t>
-            </a:r>
-            <a:r>
-              <a:rPr lang="pl-PL" dirty="0" smtClean="0"/>
-              <a:t>w czwartek, demo co 2 tygodnie w środę</a:t>
+              <a:t>Początek sprintu planowaniem w czwartek, demo co 2 tygodnie w środę</a:t>
             </a:r>
             <a:endParaRPr lang="pl-PL" dirty="0"/>
           </a:p>
@@ -7659,13 +7677,13 @@
   <p:clrMapOvr>
     <a:masterClrMapping/>
   </p:clrMapOvr>
-  <p:transition>
+  <p:transition xmlns:p14="http://schemas.microsoft.com/office/powerpoint/2010/main">
     <p:randomBar/>
   </p:transition>
   <p:timing>
     <p:tnLst>
       <p:par>
-        <p:cTn id="1" dur="indefinite" restart="never" nodeType="tmRoot"/>
+        <p:cTn xmlns:p14="http://schemas.microsoft.com/office/powerpoint/2010/main" id="1" dur="indefinite" restart="never" nodeType="tmRoot"/>
       </p:par>
     </p:tnLst>
   </p:timing>
@@ -7746,14 +7764,14 @@
           </a:ln>
           <a:effectLst/>
           <a:extLst>
-            <a:ext uri="{909E8E84-426E-40DD-AFC4-6F175D3DCCD1}">
+            <a:ext uri="{909E8E84-426E-40dd-AFC4-6F175D3DCCD1}">
               <a14:hiddenFill xmlns:a14="http://schemas.microsoft.com/office/drawing/2010/main">
                 <a:solidFill>
                   <a:schemeClr val="accent1"/>
                 </a:solidFill>
               </a14:hiddenFill>
             </a:ext>
-            <a:ext uri="{91240B29-F687-4F45-9708-019B960494DF}">
+            <a:ext uri="{91240B29-F687-4f45-9708-019B960494DF}">
               <a14:hiddenLine xmlns:a14="http://schemas.microsoft.com/office/drawing/2010/main" w="9525">
                 <a:solidFill>
                   <a:schemeClr val="tx1"/>
@@ -7763,7 +7781,7 @@
                 <a:tailEnd/>
               </a14:hiddenLine>
             </a:ext>
-            <a:ext uri="{AF507438-7753-43E0-B8FC-AC1667EBCBE1}">
+            <a:ext uri="{AF507438-7753-43e0-B8FC-AC1667EBCBE1}">
               <a14:hiddenEffects xmlns:a14="http://schemas.microsoft.com/office/drawing/2010/main">
                 <a:effectLst>
                   <a:outerShdw dist="35921" dir="2700000" algn="ctr" rotWithShape="0">
@@ -7785,13 +7803,13 @@
   <p:clrMapOvr>
     <a:masterClrMapping/>
   </p:clrMapOvr>
-  <p:transition>
+  <p:transition xmlns:p14="http://schemas.microsoft.com/office/powerpoint/2010/main">
     <p:randomBar/>
   </p:transition>
   <p:timing>
     <p:tnLst>
       <p:par>
-        <p:cTn id="1" dur="indefinite" restart="never" nodeType="tmRoot"/>
+        <p:cTn xmlns:p14="http://schemas.microsoft.com/office/powerpoint/2010/main" id="1" dur="indefinite" restart="never" nodeType="tmRoot"/>
       </p:par>
     </p:tnLst>
   </p:timing>
@@ -7932,7 +7950,7 @@
           </a:prstGeom>
           <a:noFill/>
           <a:extLst>
-            <a:ext uri="{909E8E84-426E-40DD-AFC4-6F175D3DCCD1}">
+            <a:ext uri="{909E8E84-426E-40dd-AFC4-6F175D3DCCD1}">
               <a14:hiddenFill xmlns:a14="http://schemas.microsoft.com/office/drawing/2010/main">
                 <a:solidFill>
                   <a:srgbClr val="FFFFFF"/>
@@ -7977,14 +7995,14 @@
           </a:ln>
           <a:effectLst/>
           <a:extLst>
-            <a:ext uri="{909E8E84-426E-40DD-AFC4-6F175D3DCCD1}">
+            <a:ext uri="{909E8E84-426E-40dd-AFC4-6F175D3DCCD1}">
               <a14:hiddenFill xmlns:a14="http://schemas.microsoft.com/office/drawing/2010/main">
                 <a:solidFill>
                   <a:schemeClr val="accent1"/>
                 </a:solidFill>
               </a14:hiddenFill>
             </a:ext>
-            <a:ext uri="{91240B29-F687-4F45-9708-019B960494DF}">
+            <a:ext uri="{91240B29-F687-4f45-9708-019B960494DF}">
               <a14:hiddenLine xmlns:a14="http://schemas.microsoft.com/office/drawing/2010/main" w="9525">
                 <a:solidFill>
                   <a:schemeClr val="tx1"/>
@@ -7994,7 +8012,7 @@
                 <a:tailEnd/>
               </a14:hiddenLine>
             </a:ext>
-            <a:ext uri="{AF507438-7753-43E0-B8FC-AC1667EBCBE1}">
+            <a:ext uri="{AF507438-7753-43e0-B8FC-AC1667EBCBE1}">
               <a14:hiddenEffects xmlns:a14="http://schemas.microsoft.com/office/drawing/2010/main">
                 <a:effectLst>
                   <a:outerShdw dist="35921" dir="2700000" algn="ctr" rotWithShape="0">
@@ -8016,13 +8034,13 @@
   <p:clrMapOvr>
     <a:masterClrMapping/>
   </p:clrMapOvr>
-  <p:transition>
+  <p:transition xmlns:p14="http://schemas.microsoft.com/office/powerpoint/2010/main">
     <p:randomBar/>
   </p:transition>
   <p:timing>
     <p:tnLst>
       <p:par>
-        <p:cTn id="1" dur="indefinite" restart="never" nodeType="tmRoot"/>
+        <p:cTn xmlns:p14="http://schemas.microsoft.com/office/powerpoint/2010/main" id="1" dur="indefinite" restart="never" nodeType="tmRoot"/>
       </p:par>
     </p:tnLst>
   </p:timing>
@@ -8077,7 +8095,7 @@
           </a:prstGeom>
           <a:noFill/>
           <a:extLst>
-            <a:ext uri="{909E8E84-426E-40DD-AFC4-6F175D3DCCD1}">
+            <a:ext uri="{909E8E84-426E-40dd-AFC4-6F175D3DCCD1}">
               <a14:hiddenFill xmlns:a14="http://schemas.microsoft.com/office/drawing/2010/main">
                 <a:solidFill>
                   <a:srgbClr val="FFFFFF"/>
@@ -8118,7 +8136,7 @@
           </a:prstGeom>
           <a:noFill/>
           <a:extLst>
-            <a:ext uri="{909E8E84-426E-40DD-AFC4-6F175D3DCCD1}">
+            <a:ext uri="{909E8E84-426E-40dd-AFC4-6F175D3DCCD1}">
               <a14:hiddenFill xmlns:a14="http://schemas.microsoft.com/office/drawing/2010/main">
                 <a:solidFill>
                   <a:srgbClr val="FFFFFF"/>
@@ -8343,7 +8361,7 @@
           </a:prstGeom>
           <a:noFill/>
           <a:extLst>
-            <a:ext uri="{909E8E84-426E-40DD-AFC4-6F175D3DCCD1}">
+            <a:ext uri="{909E8E84-426E-40dd-AFC4-6F175D3DCCD1}">
               <a14:hiddenFill xmlns:a14="http://schemas.microsoft.com/office/drawing/2010/main">
                 <a:solidFill>
                   <a:srgbClr val="FFFFFF"/>
@@ -8384,7 +8402,7 @@
           </a:prstGeom>
           <a:noFill/>
           <a:extLst>
-            <a:ext uri="{909E8E84-426E-40DD-AFC4-6F175D3DCCD1}">
+            <a:ext uri="{909E8E84-426E-40dd-AFC4-6F175D3DCCD1}">
               <a14:hiddenFill xmlns:a14="http://schemas.microsoft.com/office/drawing/2010/main">
                 <a:solidFill>
                   <a:srgbClr val="FFFFFF"/>
@@ -8404,13 +8422,13 @@
   <p:clrMapOvr>
     <a:masterClrMapping/>
   </p:clrMapOvr>
-  <p:transition>
+  <p:transition xmlns:p14="http://schemas.microsoft.com/office/powerpoint/2010/main">
     <p:randomBar/>
   </p:transition>
   <p:timing>
     <p:tnLst>
       <p:par>
-        <p:cTn id="1" dur="indefinite" restart="never" nodeType="tmRoot"/>
+        <p:cTn xmlns:p14="http://schemas.microsoft.com/office/powerpoint/2010/main" id="1" dur="indefinite" restart="never" nodeType="tmRoot"/>
       </p:par>
     </p:tnLst>
   </p:timing>
@@ -8488,7 +8506,7 @@
           </a:prstGeom>
           <a:noFill/>
           <a:extLst>
-            <a:ext uri="{909E8E84-426E-40DD-AFC4-6F175D3DCCD1}">
+            <a:ext uri="{909E8E84-426E-40dd-AFC4-6F175D3DCCD1}">
               <a14:hiddenFill xmlns:a14="http://schemas.microsoft.com/office/drawing/2010/main">
                 <a:solidFill>
                   <a:srgbClr val="FFFFFF"/>
@@ -8508,13 +8526,13 @@
   <p:clrMapOvr>
     <a:masterClrMapping/>
   </p:clrMapOvr>
-  <p:transition>
+  <p:transition xmlns:p14="http://schemas.microsoft.com/office/powerpoint/2010/main">
     <p:randomBar/>
   </p:transition>
   <p:timing>
     <p:tnLst>
       <p:par>
-        <p:cTn id="1" dur="indefinite" restart="never" nodeType="tmRoot"/>
+        <p:cTn xmlns:p14="http://schemas.microsoft.com/office/powerpoint/2010/main" id="1" dur="indefinite" restart="never" nodeType="tmRoot"/>
       </p:par>
     </p:tnLst>
   </p:timing>
@@ -8643,7 +8661,7 @@
           </a:prstGeom>
           <a:noFill/>
           <a:extLst>
-            <a:ext uri="{909E8E84-426E-40DD-AFC4-6F175D3DCCD1}">
+            <a:ext uri="{909E8E84-426E-40dd-AFC4-6F175D3DCCD1}">
               <a14:hiddenFill xmlns:a14="http://schemas.microsoft.com/office/drawing/2010/main">
                 <a:solidFill>
                   <a:srgbClr val="FFFFFF"/>
@@ -8684,7 +8702,7 @@
           </a:prstGeom>
           <a:noFill/>
           <a:extLst>
-            <a:ext uri="{909E8E84-426E-40DD-AFC4-6F175D3DCCD1}">
+            <a:ext uri="{909E8E84-426E-40dd-AFC4-6F175D3DCCD1}">
               <a14:hiddenFill xmlns:a14="http://schemas.microsoft.com/office/drawing/2010/main">
                 <a:solidFill>
                   <a:srgbClr val="FFFFFF"/>
@@ -8725,7 +8743,7 @@
           </a:prstGeom>
           <a:noFill/>
           <a:extLst>
-            <a:ext uri="{909E8E84-426E-40DD-AFC4-6F175D3DCCD1}">
+            <a:ext uri="{909E8E84-426E-40dd-AFC4-6F175D3DCCD1}">
               <a14:hiddenFill xmlns:a14="http://schemas.microsoft.com/office/drawing/2010/main">
                 <a:solidFill>
                   <a:srgbClr val="FFFFFF"/>
@@ -8766,7 +8784,7 @@
           </a:prstGeom>
           <a:noFill/>
           <a:extLst>
-            <a:ext uri="{909E8E84-426E-40DD-AFC4-6F175D3DCCD1}">
+            <a:ext uri="{909E8E84-426E-40dd-AFC4-6F175D3DCCD1}">
               <a14:hiddenFill xmlns:a14="http://schemas.microsoft.com/office/drawing/2010/main">
                 <a:solidFill>
                   <a:srgbClr val="FFFFFF"/>
@@ -8807,7 +8825,7 @@
           </a:prstGeom>
           <a:noFill/>
           <a:extLst>
-            <a:ext uri="{909E8E84-426E-40DD-AFC4-6F175D3DCCD1}">
+            <a:ext uri="{909E8E84-426E-40dd-AFC4-6F175D3DCCD1}">
               <a14:hiddenFill xmlns:a14="http://schemas.microsoft.com/office/drawing/2010/main">
                 <a:solidFill>
                   <a:srgbClr val="FFFFFF"/>
@@ -8827,13 +8845,13 @@
   <p:clrMapOvr>
     <a:masterClrMapping/>
   </p:clrMapOvr>
-  <p:transition>
+  <p:transition xmlns:p14="http://schemas.microsoft.com/office/powerpoint/2010/main">
     <p:randomBar/>
   </p:transition>
   <p:timing>
     <p:tnLst>
       <p:par>
-        <p:cTn id="1" dur="indefinite" restart="never" nodeType="tmRoot"/>
+        <p:cTn xmlns:p14="http://schemas.microsoft.com/office/powerpoint/2010/main" id="1" dur="indefinite" restart="never" nodeType="tmRoot"/>
       </p:par>
     </p:tnLst>
   </p:timing>
@@ -8888,7 +8906,7 @@
           </a:prstGeom>
           <a:noFill/>
           <a:extLst>
-            <a:ext uri="{909E8E84-426E-40DD-AFC4-6F175D3DCCD1}">
+            <a:ext uri="{909E8E84-426E-40dd-AFC4-6F175D3DCCD1}">
               <a14:hiddenFill xmlns:a14="http://schemas.microsoft.com/office/drawing/2010/main">
                 <a:solidFill>
                   <a:srgbClr val="FFFFFF"/>
@@ -9047,13 +9065,13 @@
   <p:clrMapOvr>
     <a:masterClrMapping/>
   </p:clrMapOvr>
-  <p:transition>
+  <p:transition xmlns:p14="http://schemas.microsoft.com/office/powerpoint/2010/main">
     <p:randomBar/>
   </p:transition>
   <p:timing>
     <p:tnLst>
       <p:par>
-        <p:cTn id="1" dur="indefinite" restart="never" nodeType="tmRoot"/>
+        <p:cTn xmlns:p14="http://schemas.microsoft.com/office/powerpoint/2010/main" id="1" dur="indefinite" restart="never" nodeType="tmRoot"/>
       </p:par>
     </p:tnLst>
   </p:timing>

--- a/docs/GPW Analizer prezentacja techniczna.pptx
+++ b/docs/GPW Analizer prezentacja techniczna.pptx
@@ -159,7 +159,7 @@
   </p:defaultTextStyle>
   <p:extLst>
     <p:ext uri="{EFAFB233-063F-42B5-8137-9DF3F51BA10A}">
-      <p15:sldGuideLst xmlns:p15="http://schemas.microsoft.com/office/powerpoint/2012/main" xmlns="">
+      <p15:sldGuideLst xmlns="" xmlns:p15="http://schemas.microsoft.com/office/powerpoint/2012/main">
         <p15:guide id="1" orient="horz" pos="2160">
           <p15:clr>
             <a:srgbClr val="A4A3A4"/>
@@ -173,7 +173,7 @@
       </p15:sldGuideLst>
     </p:ext>
     <p:ext uri="{2D200454-40CA-4A62-9FC3-DE9A4176ACB9}">
-      <p15:notesGuideLst xmlns:p15="http://schemas.microsoft.com/office/powerpoint/2012/main" xmlns="">
+      <p15:notesGuideLst xmlns="" xmlns:p15="http://schemas.microsoft.com/office/powerpoint/2012/main">
         <p15:guide id="1" orient="horz" pos="3067">
           <p15:clr>
             <a:srgbClr val="A4A3A4"/>
@@ -272,7 +272,7 @@
           <a:p>
             <a:fld id="{600210A5-AD85-4E46-B700-98AA4416415C}" type="datetimeFigureOut">
               <a:rPr lang="pl-PL" smtClean="0"/>
-              <a:t>11.12.2013</a:t>
+              <a:t>2013-12-11</a:t>
             </a:fld>
             <a:endParaRPr lang="pl-PL"/>
           </a:p>
@@ -338,7 +338,7 @@
           <a:p>
             <a:fld id="{3ACA4F04-E909-4E01-9F9A-85D734BF78F2}" type="slidenum">
               <a:rPr lang="pl-PL" smtClean="0"/>
-              <a:t>‹nr›</a:t>
+              <a:t>‹#›</a:t>
             </a:fld>
             <a:endParaRPr lang="pl-PL"/>
           </a:p>
@@ -437,7 +437,7 @@
           <a:p>
             <a:fld id="{3EAF9944-9CA7-445B-BBA2-9BD773A7EADD}" type="datetimeFigureOut">
               <a:rPr lang="pl-PL" smtClean="0"/>
-              <a:t>11.12.2013</a:t>
+              <a:t>2013-12-11</a:t>
             </a:fld>
             <a:endParaRPr lang="pl-PL"/>
           </a:p>
@@ -596,7 +596,7 @@
           <a:p>
             <a:fld id="{47930C29-7364-4A00-8D93-FCC8871D58B2}" type="slidenum">
               <a:rPr lang="pl-PL" smtClean="0"/>
-              <a:t>‹nr›</a:t>
+              <a:t>‹#›</a:t>
             </a:fld>
             <a:endParaRPr lang="pl-PL"/>
           </a:p>
@@ -1068,12 +1068,12 @@
               <a:t>Tutaj prezentujemy </a:t>
             </a:r>
             <a:r>
-              <a:rPr lang="pl-PL" dirty="0" err="1" smtClean="0"/>
-              <a:t>akce</a:t>
-            </a:r>
-            <a:r>
               <a:rPr lang="pl-PL" dirty="0" smtClean="0"/>
-              <a:t> spółki dla BZWBK przewidywane</a:t>
+              <a:t>akcje </a:t>
+            </a:r>
+            <a:r>
+              <a:rPr lang="pl-PL" dirty="0" smtClean="0"/>
+              <a:t>spółki dla BZWBK przewidywane</a:t>
             </a:r>
             <a:r>
               <a:rPr lang="pl-PL" baseline="0" dirty="0" smtClean="0"/>
@@ -2069,7 +2069,29 @@
             </a:r>
             <a:r>
               <a:rPr lang="pl-PL" baseline="0" dirty="0" smtClean="0"/>
-              <a:t> – Aplikacja ma analizować codziennie duże ilości danych... Jak uzykać potrzebne dane giełdowe? Jak je reprezentować? Ciężkie zadanie. A przecież jeszcze trzeba te dane w zrozumiały sposób przekazać użytkownikowi...</a:t>
+              <a:t> – Aplikacja ma analizować codziennie duże ilości danych... Jak </a:t>
+            </a:r>
+            <a:r>
+              <a:rPr lang="pl-PL" baseline="0" dirty="0" smtClean="0"/>
+              <a:t>uzyskać </a:t>
+            </a:r>
+            <a:r>
+              <a:rPr lang="pl-PL" baseline="0" dirty="0" smtClean="0"/>
+              <a:t>potrzebne dane giełdowe? Jak je reprezentować? Ciężkie zadanie. A przecież jeszcze trzeba te dane w zrozumiały sposób przekazać użytkownikowi</a:t>
+            </a:r>
+            <a:r>
+              <a:rPr lang="pl-PL" baseline="0" dirty="0" smtClean="0"/>
+              <a:t>...</a:t>
+            </a:r>
+          </a:p>
+          <a:p>
+            <a:r>
+              <a:rPr lang="pl-PL" baseline="0" dirty="0" err="1" smtClean="0"/>
+              <a:t>Kotrys</a:t>
+            </a:r>
+            <a:r>
+              <a:rPr lang="pl-PL" baseline="0" dirty="0" smtClean="0"/>
+              <a:t> – Z tego względu, że aplikacja dotyczy giełdy obawiałem się, że nie uda nam się w czasie skończyć projektu. Zapoznanie się z giełdą, stworzenie aplikacji, która miałaby ułatwić życie ludziom, którzy mają w tym temacie dużo większe pojęcie to była według mnie jedna wielka abstrakcja.</a:t>
             </a:r>
             <a:endParaRPr lang="pl-PL" dirty="0"/>
           </a:p>
@@ -2196,7 +2218,33 @@
             </a:r>
             <a:r>
               <a:rPr lang="pl-PL" baseline="0" dirty="0" smtClean="0"/>
-              <a:t> co jest pewne, to że nic nie jest pewne. Analizy wydają się być realne, trzeba cały czas pracować nad aplikacją analizującą dane. Część webowa jest przyjazna użytkownikowi, ale wymaga kilku usprawnień tj.: ocena wykonanych prognoz przez użytkowników, możliwość swobodnej kowersacji z ekspertami zarejestrowanymi w portalu.</a:t>
+              <a:t> co jest pewne, to że nic nie jest pewne. Analizy wydają się być realne, trzeba cały czas pracować nad aplikacją analizującą dane. Część webowa jest przyjazna użytkownikowi, ale wymaga kilku usprawnień tj.: ocena wykonanych prognoz przez użytkowników, możliwość swobodnej kowersacji z ekspertami zarejestrowanymi w portalu</a:t>
+            </a:r>
+            <a:r>
+              <a:rPr lang="pl-PL" baseline="0" dirty="0" smtClean="0"/>
+              <a:t>.</a:t>
+            </a:r>
+          </a:p>
+          <a:p>
+            <a:r>
+              <a:rPr lang="pl-PL" dirty="0" err="1" smtClean="0"/>
+              <a:t>Kotrys</a:t>
+            </a:r>
+            <a:r>
+              <a:rPr lang="pl-PL" baseline="0" dirty="0" smtClean="0"/>
+              <a:t> – jeżeli chcemy osiągnąć sukces to tak naprawdę początek naszej przygody z tą aplikacją. Możemy dodać nowe </a:t>
+            </a:r>
+            <a:r>
+              <a:rPr lang="pl-PL" baseline="0" err="1" smtClean="0"/>
+              <a:t>funkcjonalności</a:t>
+            </a:r>
+            <a:r>
+              <a:rPr lang="pl-PL" baseline="0" smtClean="0"/>
+              <a:t>, polepszyć </a:t>
+            </a:r>
+            <a:r>
+              <a:rPr lang="pl-PL" baseline="0" dirty="0" smtClean="0"/>
+              <a:t>model, do czego potrzebowaliśmy pomocy ludzi, którzy znają się dobrze na giełdzie.</a:t>
             </a:r>
             <a:endParaRPr lang="pl-PL" dirty="0"/>
           </a:p>
@@ -3487,14 +3535,14 @@
             <a:noFill/>
           </a:ln>
           <a:extLst>
-            <a:ext uri="{909E8E84-426E-40dd-AFC4-6F175D3DCCD1}">
+            <a:ext uri="{909E8E84-426E-40DD-AFC4-6F175D3DCCD1}">
               <a14:hiddenFill xmlns:a14="http://schemas.microsoft.com/office/drawing/2010/main">
                 <a:solidFill>
                   <a:srgbClr val="FFFFFF"/>
                 </a:solidFill>
               </a14:hiddenFill>
             </a:ext>
-            <a:ext uri="{91240B29-F687-4f45-9708-019B960494DF}">
+            <a:ext uri="{91240B29-F687-4F45-9708-019B960494DF}">
               <a14:hiddenLine xmlns:a14="http://schemas.microsoft.com/office/drawing/2010/main" w="9525">
                 <a:solidFill>
                   <a:srgbClr val="000000"/>
@@ -3531,7 +3579,7 @@
           </a:ln>
           <a:effectLst/>
           <a:extLst>
-            <a:ext uri="{91240B29-F687-4f45-9708-019B960494DF}">
+            <a:ext uri="{91240B29-F687-4F45-9708-019B960494DF}">
               <a14:hiddenLine xmlns:a14="http://schemas.microsoft.com/office/drawing/2010/main" w="9525">
                 <a:solidFill>
                   <a:schemeClr val="tx1"/>
@@ -3541,7 +3589,7 @@
                 <a:tailEnd/>
               </a14:hiddenLine>
             </a:ext>
-            <a:ext uri="{AF507438-7753-43e0-B8FC-AC1667EBCBE1}">
+            <a:ext uri="{AF507438-7753-43E0-B8FC-AC1667EBCBE1}">
               <a14:hiddenEffects xmlns:a14="http://schemas.microsoft.com/office/drawing/2010/main">
                 <a:effectLst>
                   <a:outerShdw dist="35921" dir="2700000" algn="ctr" rotWithShape="0">
@@ -3661,7 +3709,7 @@
           </a:prstGeom>
           <a:noFill/>
           <a:extLst>
-            <a:ext uri="{909E8E84-426E-40dd-AFC4-6F175D3DCCD1}">
+            <a:ext uri="{909E8E84-426E-40DD-AFC4-6F175D3DCCD1}">
               <a14:hiddenFill xmlns:a14="http://schemas.microsoft.com/office/drawing/2010/main">
                 <a:solidFill>
                   <a:srgbClr val="FFFFFF"/>
@@ -3676,7 +3724,7 @@
   <p:clrMapOvr>
     <a:masterClrMapping/>
   </p:clrMapOvr>
-  <p:transition xmlns:p14="http://schemas.microsoft.com/office/powerpoint/2010/main">
+  <p:transition>
     <p:randomBar/>
   </p:transition>
 </p:sldLayout>
@@ -3784,7 +3832,7 @@
   <p:clrMapOvr>
     <a:masterClrMapping/>
   </p:clrMapOvr>
-  <p:transition xmlns:p14="http://schemas.microsoft.com/office/powerpoint/2010/main">
+  <p:transition>
     <p:randomBar/>
   </p:transition>
 </p:sldLayout>
@@ -3902,7 +3950,7 @@
   <p:clrMapOvr>
     <a:masterClrMapping/>
   </p:clrMapOvr>
-  <p:transition xmlns:p14="http://schemas.microsoft.com/office/powerpoint/2010/main">
+  <p:transition>
     <p:randomBar/>
   </p:transition>
 </p:sldLayout>
@@ -4010,7 +4058,7 @@
   <p:clrMapOvr>
     <a:masterClrMapping/>
   </p:clrMapOvr>
-  <p:transition xmlns:p14="http://schemas.microsoft.com/office/powerpoint/2010/main">
+  <p:transition>
     <p:randomBar/>
   </p:transition>
 </p:sldLayout>
@@ -4140,7 +4188,7 @@
   <p:clrMapOvr>
     <a:masterClrMapping/>
   </p:clrMapOvr>
-  <p:transition xmlns:p14="http://schemas.microsoft.com/office/powerpoint/2010/main">
+  <p:transition>
     <p:randomBar/>
   </p:transition>
 </p:sldLayout>
@@ -4366,7 +4414,7 @@
   <p:clrMapOvr>
     <a:masterClrMapping/>
   </p:clrMapOvr>
-  <p:transition xmlns:p14="http://schemas.microsoft.com/office/powerpoint/2010/main">
+  <p:transition>
     <p:randomBar/>
   </p:transition>
 </p:sldLayout>
@@ -4731,7 +4779,7 @@
   <p:clrMapOvr>
     <a:masterClrMapping/>
   </p:clrMapOvr>
-  <p:transition xmlns:p14="http://schemas.microsoft.com/office/powerpoint/2010/main">
+  <p:transition>
     <p:randomBar/>
   </p:transition>
 </p:sldLayout>
@@ -4787,7 +4835,7 @@
   <p:clrMapOvr>
     <a:masterClrMapping/>
   </p:clrMapOvr>
-  <p:transition xmlns:p14="http://schemas.microsoft.com/office/powerpoint/2010/main">
+  <p:transition>
     <p:randomBar/>
   </p:transition>
 </p:sldLayout>
@@ -4820,7 +4868,7 @@
   <p:clrMapOvr>
     <a:masterClrMapping/>
   </p:clrMapOvr>
-  <p:transition xmlns:p14="http://schemas.microsoft.com/office/powerpoint/2010/main">
+  <p:transition>
     <p:randomBar/>
   </p:transition>
 </p:sldLayout>
@@ -5035,7 +5083,7 @@
   <p:clrMapOvr>
     <a:masterClrMapping/>
   </p:clrMapOvr>
-  <p:transition xmlns:p14="http://schemas.microsoft.com/office/powerpoint/2010/main">
+  <p:transition>
     <p:randomBar/>
   </p:transition>
 </p:sldLayout>
@@ -5230,7 +5278,7 @@
   <p:clrMapOvr>
     <a:masterClrMapping/>
   </p:clrMapOvr>
-  <p:transition xmlns:p14="http://schemas.microsoft.com/office/powerpoint/2010/main">
+  <p:transition>
     <p:randomBar/>
   </p:transition>
 </p:sldLayout>
@@ -5285,7 +5333,7 @@
           </a:ln>
           <a:effectLst/>
           <a:extLst>
-            <a:ext uri="{91240B29-F687-4f45-9708-019B960494DF}">
+            <a:ext uri="{91240B29-F687-4F45-9708-019B960494DF}">
               <a14:hiddenLine xmlns:a14="http://schemas.microsoft.com/office/drawing/2010/main" w="9525">
                 <a:solidFill>
                   <a:schemeClr val="tx1"/>
@@ -5295,7 +5343,7 @@
                 <a:tailEnd/>
               </a14:hiddenLine>
             </a:ext>
-            <a:ext uri="{AF507438-7753-43e0-B8FC-AC1667EBCBE1}">
+            <a:ext uri="{AF507438-7753-43E0-B8FC-AC1667EBCBE1}">
               <a14:hiddenEffects xmlns:a14="http://schemas.microsoft.com/office/drawing/2010/main">
                 <a:effectLst>
                   <a:outerShdw dist="35921" dir="2700000" algn="ctr" rotWithShape="0">
@@ -5338,7 +5386,7 @@
           </a:ln>
           <a:effectLst/>
           <a:extLst>
-            <a:ext uri="{91240B29-F687-4f45-9708-019B960494DF}">
+            <a:ext uri="{91240B29-F687-4F45-9708-019B960494DF}">
               <a14:hiddenLine xmlns:a14="http://schemas.microsoft.com/office/drawing/2010/main" w="9525">
                 <a:solidFill>
                   <a:schemeClr val="tx1"/>
@@ -5348,7 +5396,7 @@
                 <a:tailEnd/>
               </a14:hiddenLine>
             </a:ext>
-            <a:ext uri="{AF507438-7753-43e0-B8FC-AC1667EBCBE1}">
+            <a:ext uri="{AF507438-7753-43E0-B8FC-AC1667EBCBE1}">
               <a14:hiddenEffects xmlns:a14="http://schemas.microsoft.com/office/drawing/2010/main">
                 <a:effectLst>
                   <a:outerShdw dist="35921" dir="2700000" algn="ctr" rotWithShape="0">
@@ -5391,14 +5439,14 @@
           </a:ln>
           <a:effectLst/>
           <a:extLst>
-            <a:ext uri="{909E8E84-426E-40dd-AFC4-6F175D3DCCD1}">
+            <a:ext uri="{909E8E84-426E-40DD-AFC4-6F175D3DCCD1}">
               <a14:hiddenFill xmlns:a14="http://schemas.microsoft.com/office/drawing/2010/main">
                 <a:solidFill>
                   <a:schemeClr val="accent1"/>
                 </a:solidFill>
               </a14:hiddenFill>
             </a:ext>
-            <a:ext uri="{91240B29-F687-4f45-9708-019B960494DF}">
+            <a:ext uri="{91240B29-F687-4F45-9708-019B960494DF}">
               <a14:hiddenLine xmlns:a14="http://schemas.microsoft.com/office/drawing/2010/main" w="9525">
                 <a:solidFill>
                   <a:schemeClr val="tx1"/>
@@ -5408,7 +5456,7 @@
                 <a:tailEnd/>
               </a14:hiddenLine>
             </a:ext>
-            <a:ext uri="{AF507438-7753-43e0-B8FC-AC1667EBCBE1}">
+            <a:ext uri="{AF507438-7753-43E0-B8FC-AC1667EBCBE1}">
               <a14:hiddenEffects xmlns:a14="http://schemas.microsoft.com/office/drawing/2010/main">
                 <a:effectLst>
                   <a:outerShdw dist="35921" dir="2700000" algn="ctr" rotWithShape="0">
@@ -5459,14 +5507,14 @@
           </a:ln>
           <a:effectLst/>
           <a:extLst>
-            <a:ext uri="{909E8E84-426E-40dd-AFC4-6F175D3DCCD1}">
+            <a:ext uri="{909E8E84-426E-40DD-AFC4-6F175D3DCCD1}">
               <a14:hiddenFill xmlns:a14="http://schemas.microsoft.com/office/drawing/2010/main">
                 <a:solidFill>
                   <a:schemeClr val="accent1"/>
                 </a:solidFill>
               </a14:hiddenFill>
             </a:ext>
-            <a:ext uri="{91240B29-F687-4f45-9708-019B960494DF}">
+            <a:ext uri="{91240B29-F687-4F45-9708-019B960494DF}">
               <a14:hiddenLine xmlns:a14="http://schemas.microsoft.com/office/drawing/2010/main" w="9525">
                 <a:solidFill>
                   <a:schemeClr val="tx1"/>
@@ -5476,7 +5524,7 @@
                 <a:tailEnd/>
               </a14:hiddenLine>
             </a:ext>
-            <a:ext uri="{AF507438-7753-43e0-B8FC-AC1667EBCBE1}">
+            <a:ext uri="{AF507438-7753-43E0-B8FC-AC1667EBCBE1}">
               <a14:hiddenEffects xmlns:a14="http://schemas.microsoft.com/office/drawing/2010/main">
                 <a:effectLst>
                   <a:outerShdw dist="35921" dir="2700000" algn="ctr" rotWithShape="0">
@@ -5562,7 +5610,7 @@
           </a:prstGeom>
           <a:noFill/>
           <a:extLst>
-            <a:ext uri="{909E8E84-426E-40dd-AFC4-6F175D3DCCD1}">
+            <a:ext uri="{909E8E84-426E-40DD-AFC4-6F175D3DCCD1}">
               <a14:hiddenFill xmlns:a14="http://schemas.microsoft.com/office/drawing/2010/main">
                 <a:solidFill>
                   <a:srgbClr val="FFFFFF"/>
@@ -5588,7 +5636,7 @@
     <p:sldLayoutId id="2147483659" r:id="rId10"/>
     <p:sldLayoutId id="2147483660" r:id="rId11"/>
   </p:sldLayoutIdLst>
-  <p:transition xmlns:p14="http://schemas.microsoft.com/office/powerpoint/2010/main">
+  <p:transition>
     <p:randomBar/>
   </p:transition>
   <p:hf hdr="0" ftr="0" dt="0"/>
@@ -6077,13 +6125,13 @@
   <p:clrMapOvr>
     <a:masterClrMapping/>
   </p:clrMapOvr>
-  <p:transition xmlns:p14="http://schemas.microsoft.com/office/powerpoint/2010/main">
+  <p:transition>
     <p:randomBar/>
   </p:transition>
   <p:timing>
     <p:tnLst>
       <p:par>
-        <p:cTn xmlns:p14="http://schemas.microsoft.com/office/powerpoint/2010/main" id="1" dur="indefinite" restart="never" nodeType="tmRoot"/>
+        <p:cTn id="1" dur="indefinite" restart="never" nodeType="tmRoot"/>
       </p:par>
     </p:tnLst>
   </p:timing>
@@ -6138,7 +6186,7 @@
           </a:prstGeom>
           <a:noFill/>
           <a:extLst>
-            <a:ext uri="{909E8E84-426E-40dd-AFC4-6F175D3DCCD1}">
+            <a:ext uri="{909E8E84-426E-40DD-AFC4-6F175D3DCCD1}">
               <a14:hiddenFill xmlns:a14="http://schemas.microsoft.com/office/drawing/2010/main">
                 <a:solidFill>
                   <a:srgbClr val="FFFFFF"/>
@@ -6255,13 +6303,13 @@
   <p:clrMapOvr>
     <a:masterClrMapping/>
   </p:clrMapOvr>
-  <p:transition xmlns:p14="http://schemas.microsoft.com/office/powerpoint/2010/main">
+  <p:transition>
     <p:randomBar/>
   </p:transition>
   <p:timing>
     <p:tnLst>
       <p:par>
-        <p:cTn xmlns:p14="http://schemas.microsoft.com/office/powerpoint/2010/main" id="1" dur="indefinite" restart="never" nodeType="tmRoot"/>
+        <p:cTn id="1" dur="indefinite" restart="never" nodeType="tmRoot"/>
       </p:par>
     </p:tnLst>
   </p:timing>
@@ -6316,7 +6364,7 @@
           </a:prstGeom>
           <a:noFill/>
           <a:extLst>
-            <a:ext uri="{909E8E84-426E-40dd-AFC4-6F175D3DCCD1}">
+            <a:ext uri="{909E8E84-426E-40DD-AFC4-6F175D3DCCD1}">
               <a14:hiddenFill xmlns:a14="http://schemas.microsoft.com/office/drawing/2010/main">
                 <a:solidFill>
                   <a:srgbClr val="FFFFFF"/>
@@ -6433,13 +6481,13 @@
   <p:clrMapOvr>
     <a:masterClrMapping/>
   </p:clrMapOvr>
-  <p:transition xmlns:p14="http://schemas.microsoft.com/office/powerpoint/2010/main">
+  <p:transition>
     <p:randomBar/>
   </p:transition>
   <p:timing>
     <p:tnLst>
       <p:par>
-        <p:cTn xmlns:p14="http://schemas.microsoft.com/office/powerpoint/2010/main" id="1" dur="indefinite" restart="never" nodeType="tmRoot"/>
+        <p:cTn id="1" dur="indefinite" restart="never" nodeType="tmRoot"/>
       </p:par>
     </p:tnLst>
   </p:timing>
@@ -6566,9 +6614,16 @@
   <p:clrMapOvr>
     <a:masterClrMapping/>
   </p:clrMapOvr>
-  <p:transition xmlns:p14="http://schemas.microsoft.com/office/powerpoint/2010/main">
+  <p:transition>
     <p:randomBar/>
   </p:transition>
+  <p:timing>
+    <p:tnLst>
+      <p:par>
+        <p:cTn id="1" dur="indefinite" restart="never" nodeType="tmRoot"/>
+      </p:par>
+    </p:tnLst>
+  </p:timing>
 </p:sld>
 </file>
 
@@ -6647,14 +6702,14 @@
           </a:ln>
           <a:effectLst/>
           <a:extLst>
-            <a:ext uri="{909E8E84-426E-40dd-AFC4-6F175D3DCCD1}">
+            <a:ext uri="{909E8E84-426E-40DD-AFC4-6F175D3DCCD1}">
               <a14:hiddenFill xmlns:a14="http://schemas.microsoft.com/office/drawing/2010/main">
                 <a:solidFill>
                   <a:schemeClr val="accent1"/>
                 </a:solidFill>
               </a14:hiddenFill>
             </a:ext>
-            <a:ext uri="{91240B29-F687-4f45-9708-019B960494DF}">
+            <a:ext uri="{91240B29-F687-4F45-9708-019B960494DF}">
               <a14:hiddenLine xmlns:a14="http://schemas.microsoft.com/office/drawing/2010/main" w="9525">
                 <a:solidFill>
                   <a:schemeClr val="tx1"/>
@@ -6664,7 +6719,7 @@
                 <a:tailEnd/>
               </a14:hiddenLine>
             </a:ext>
-            <a:ext uri="{AF507438-7753-43e0-B8FC-AC1667EBCBE1}">
+            <a:ext uri="{AF507438-7753-43E0-B8FC-AC1667EBCBE1}">
               <a14:hiddenEffects xmlns:a14="http://schemas.microsoft.com/office/drawing/2010/main">
                 <a:effectLst>
                   <a:outerShdw dist="35921" dir="2700000" algn="ctr" rotWithShape="0">
@@ -6686,9 +6741,16 @@
   <p:clrMapOvr>
     <a:masterClrMapping/>
   </p:clrMapOvr>
-  <p:transition xmlns:p14="http://schemas.microsoft.com/office/powerpoint/2010/main">
+  <p:transition>
     <p:randomBar/>
   </p:transition>
+  <p:timing>
+    <p:tnLst>
+      <p:par>
+        <p:cTn id="1" dur="indefinite" restart="never" nodeType="tmRoot"/>
+      </p:par>
+    </p:tnLst>
+  </p:timing>
 </p:sld>
 </file>
 
@@ -6766,14 +6828,14 @@
           </a:ln>
           <a:effectLst/>
           <a:extLst>
-            <a:ext uri="{909E8E84-426E-40dd-AFC4-6F175D3DCCD1}">
+            <a:ext uri="{909E8E84-426E-40DD-AFC4-6F175D3DCCD1}">
               <a14:hiddenFill xmlns:a14="http://schemas.microsoft.com/office/drawing/2010/main">
                 <a:solidFill>
                   <a:schemeClr val="accent1"/>
                 </a:solidFill>
               </a14:hiddenFill>
             </a:ext>
-            <a:ext uri="{91240B29-F687-4f45-9708-019B960494DF}">
+            <a:ext uri="{91240B29-F687-4F45-9708-019B960494DF}">
               <a14:hiddenLine xmlns:a14="http://schemas.microsoft.com/office/drawing/2010/main" w="9525">
                 <a:solidFill>
                   <a:schemeClr val="tx1"/>
@@ -6783,7 +6845,7 @@
                 <a:tailEnd/>
               </a14:hiddenLine>
             </a:ext>
-            <a:ext uri="{AF507438-7753-43e0-B8FC-AC1667EBCBE1}">
+            <a:ext uri="{AF507438-7753-43E0-B8FC-AC1667EBCBE1}">
               <a14:hiddenEffects xmlns:a14="http://schemas.microsoft.com/office/drawing/2010/main">
                 <a:effectLst>
                   <a:outerShdw dist="35921" dir="2700000" algn="ctr" rotWithShape="0">
@@ -6830,14 +6892,14 @@
           </a:ln>
           <a:effectLst/>
           <a:extLst>
-            <a:ext uri="{909E8E84-426E-40dd-AFC4-6F175D3DCCD1}">
+            <a:ext uri="{909E8E84-426E-40DD-AFC4-6F175D3DCCD1}">
               <a14:hiddenFill xmlns:a14="http://schemas.microsoft.com/office/drawing/2010/main">
                 <a:solidFill>
                   <a:schemeClr val="accent1"/>
                 </a:solidFill>
               </a14:hiddenFill>
             </a:ext>
-            <a:ext uri="{91240B29-F687-4f45-9708-019B960494DF}">
+            <a:ext uri="{91240B29-F687-4F45-9708-019B960494DF}">
               <a14:hiddenLine xmlns:a14="http://schemas.microsoft.com/office/drawing/2010/main" w="9525">
                 <a:solidFill>
                   <a:schemeClr val="tx1"/>
@@ -6847,7 +6909,7 @@
                 <a:tailEnd/>
               </a14:hiddenLine>
             </a:ext>
-            <a:ext uri="{AF507438-7753-43e0-B8FC-AC1667EBCBE1}">
+            <a:ext uri="{AF507438-7753-43E0-B8FC-AC1667EBCBE1}">
               <a14:hiddenEffects xmlns:a14="http://schemas.microsoft.com/office/drawing/2010/main">
                 <a:effectLst>
                   <a:outerShdw dist="35921" dir="2700000" algn="ctr" rotWithShape="0">
@@ -6869,9 +6931,16 @@
   <p:clrMapOvr>
     <a:masterClrMapping/>
   </p:clrMapOvr>
-  <p:transition xmlns:p14="http://schemas.microsoft.com/office/powerpoint/2010/main">
+  <p:transition>
     <p:randomBar/>
   </p:transition>
+  <p:timing>
+    <p:tnLst>
+      <p:par>
+        <p:cTn id="1" dur="indefinite" restart="never" nodeType="tmRoot"/>
+      </p:par>
+    </p:tnLst>
+  </p:timing>
 </p:sld>
 </file>
 
@@ -6949,14 +7018,14 @@
           </a:ln>
           <a:effectLst/>
           <a:extLst>
-            <a:ext uri="{909E8E84-426E-40dd-AFC4-6F175D3DCCD1}">
+            <a:ext uri="{909E8E84-426E-40DD-AFC4-6F175D3DCCD1}">
               <a14:hiddenFill xmlns:a14="http://schemas.microsoft.com/office/drawing/2010/main">
                 <a:solidFill>
                   <a:schemeClr val="accent1"/>
                 </a:solidFill>
               </a14:hiddenFill>
             </a:ext>
-            <a:ext uri="{91240B29-F687-4f45-9708-019B960494DF}">
+            <a:ext uri="{91240B29-F687-4F45-9708-019B960494DF}">
               <a14:hiddenLine xmlns:a14="http://schemas.microsoft.com/office/drawing/2010/main" w="9525">
                 <a:solidFill>
                   <a:schemeClr val="tx1"/>
@@ -6966,7 +7035,7 @@
                 <a:tailEnd/>
               </a14:hiddenLine>
             </a:ext>
-            <a:ext uri="{AF507438-7753-43e0-B8FC-AC1667EBCBE1}">
+            <a:ext uri="{AF507438-7753-43E0-B8FC-AC1667EBCBE1}">
               <a14:hiddenEffects xmlns:a14="http://schemas.microsoft.com/office/drawing/2010/main">
                 <a:effectLst>
                   <a:outerShdw dist="35921" dir="2700000" algn="ctr" rotWithShape="0">
@@ -7013,14 +7082,14 @@
           </a:ln>
           <a:effectLst/>
           <a:extLst>
-            <a:ext uri="{909E8E84-426E-40dd-AFC4-6F175D3DCCD1}">
+            <a:ext uri="{909E8E84-426E-40DD-AFC4-6F175D3DCCD1}">
               <a14:hiddenFill xmlns:a14="http://schemas.microsoft.com/office/drawing/2010/main">
                 <a:solidFill>
                   <a:schemeClr val="accent1"/>
                 </a:solidFill>
               </a14:hiddenFill>
             </a:ext>
-            <a:ext uri="{91240B29-F687-4f45-9708-019B960494DF}">
+            <a:ext uri="{91240B29-F687-4F45-9708-019B960494DF}">
               <a14:hiddenLine xmlns:a14="http://schemas.microsoft.com/office/drawing/2010/main" w="9525">
                 <a:solidFill>
                   <a:schemeClr val="tx1"/>
@@ -7030,7 +7099,7 @@
                 <a:tailEnd/>
               </a14:hiddenLine>
             </a:ext>
-            <a:ext uri="{AF507438-7753-43e0-B8FC-AC1667EBCBE1}">
+            <a:ext uri="{AF507438-7753-43E0-B8FC-AC1667EBCBE1}">
               <a14:hiddenEffects xmlns:a14="http://schemas.microsoft.com/office/drawing/2010/main">
                 <a:effectLst>
                   <a:outerShdw dist="35921" dir="2700000" algn="ctr" rotWithShape="0">
@@ -7052,9 +7121,16 @@
   <p:clrMapOvr>
     <a:masterClrMapping/>
   </p:clrMapOvr>
-  <p:transition xmlns:p14="http://schemas.microsoft.com/office/powerpoint/2010/main">
+  <p:transition>
     <p:randomBar/>
   </p:transition>
+  <p:timing>
+    <p:tnLst>
+      <p:par>
+        <p:cTn id="1" dur="indefinite" restart="never" nodeType="tmRoot"/>
+      </p:par>
+    </p:tnLst>
+  </p:timing>
 </p:sld>
 </file>
 
@@ -7132,14 +7208,14 @@
           </a:ln>
           <a:effectLst/>
           <a:extLst>
-            <a:ext uri="{909E8E84-426E-40dd-AFC4-6F175D3DCCD1}">
+            <a:ext uri="{909E8E84-426E-40DD-AFC4-6F175D3DCCD1}">
               <a14:hiddenFill xmlns:a14="http://schemas.microsoft.com/office/drawing/2010/main">
                 <a:solidFill>
                   <a:schemeClr val="accent1"/>
                 </a:solidFill>
               </a14:hiddenFill>
             </a:ext>
-            <a:ext uri="{91240B29-F687-4f45-9708-019B960494DF}">
+            <a:ext uri="{91240B29-F687-4F45-9708-019B960494DF}">
               <a14:hiddenLine xmlns:a14="http://schemas.microsoft.com/office/drawing/2010/main" w="9525">
                 <a:solidFill>
                   <a:schemeClr val="tx1"/>
@@ -7149,7 +7225,7 @@
                 <a:tailEnd/>
               </a14:hiddenLine>
             </a:ext>
-            <a:ext uri="{AF507438-7753-43e0-B8FC-AC1667EBCBE1}">
+            <a:ext uri="{AF507438-7753-43E0-B8FC-AC1667EBCBE1}">
               <a14:hiddenEffects xmlns:a14="http://schemas.microsoft.com/office/drawing/2010/main">
                 <a:effectLst>
                   <a:outerShdw dist="35921" dir="2700000" algn="ctr" rotWithShape="0">
@@ -7171,9 +7247,16 @@
   <p:clrMapOvr>
     <a:masterClrMapping/>
   </p:clrMapOvr>
-  <p:transition xmlns:p14="http://schemas.microsoft.com/office/powerpoint/2010/main">
+  <p:transition>
     <p:randomBar/>
   </p:transition>
+  <p:timing>
+    <p:tnLst>
+      <p:par>
+        <p:cTn id="1" dur="indefinite" restart="never" nodeType="tmRoot"/>
+      </p:par>
+    </p:tnLst>
+  </p:timing>
 </p:sld>
 </file>
 
@@ -7304,7 +7387,7 @@
           </a:prstGeom>
           <a:noFill/>
           <a:extLst>
-            <a:ext uri="{909E8E84-426E-40dd-AFC4-6F175D3DCCD1}">
+            <a:ext uri="{909E8E84-426E-40DD-AFC4-6F175D3DCCD1}">
               <a14:hiddenFill xmlns:a14="http://schemas.microsoft.com/office/drawing/2010/main">
                 <a:solidFill>
                   <a:srgbClr val="FFFFFF"/>
@@ -7324,9 +7407,16 @@
   <p:clrMapOvr>
     <a:masterClrMapping/>
   </p:clrMapOvr>
-  <p:transition xmlns:p14="http://schemas.microsoft.com/office/powerpoint/2010/main">
+  <p:transition>
     <p:randomBar/>
   </p:transition>
+  <p:timing>
+    <p:tnLst>
+      <p:par>
+        <p:cTn id="1" dur="indefinite" restart="never" nodeType="tmRoot"/>
+      </p:par>
+    </p:tnLst>
+  </p:timing>
 </p:sld>
 </file>
 
@@ -7399,7 +7489,7 @@
   <p:clrMapOvr>
     <a:masterClrMapping/>
   </p:clrMapOvr>
-  <p:transition xmlns:p14="http://schemas.microsoft.com/office/powerpoint/2010/main">
+  <p:transition>
     <p:randomBar/>
   </p:transition>
 </p:sld>
@@ -7527,13 +7617,13 @@
   <p:clrMapOvr>
     <a:masterClrMapping/>
   </p:clrMapOvr>
-  <p:transition xmlns:p14="http://schemas.microsoft.com/office/powerpoint/2010/main">
+  <p:transition>
     <p:randomBar/>
   </p:transition>
   <p:timing>
     <p:tnLst>
       <p:par>
-        <p:cTn xmlns:p14="http://schemas.microsoft.com/office/powerpoint/2010/main" id="1" dur="indefinite" restart="never" nodeType="tmRoot"/>
+        <p:cTn id="1" dur="indefinite" restart="never" nodeType="tmRoot"/>
       </p:par>
     </p:tnLst>
   </p:timing>
@@ -7588,7 +7678,7 @@
           </a:prstGeom>
           <a:noFill/>
           <a:extLst>
-            <a:ext uri="{909E8E84-426E-40dd-AFC4-6F175D3DCCD1}">
+            <a:ext uri="{909E8E84-426E-40DD-AFC4-6F175D3DCCD1}">
               <a14:hiddenFill xmlns:a14="http://schemas.microsoft.com/office/drawing/2010/main">
                 <a:solidFill>
                   <a:srgbClr val="FFFFFF"/>
@@ -7677,13 +7767,13 @@
   <p:clrMapOvr>
     <a:masterClrMapping/>
   </p:clrMapOvr>
-  <p:transition xmlns:p14="http://schemas.microsoft.com/office/powerpoint/2010/main">
+  <p:transition>
     <p:randomBar/>
   </p:transition>
   <p:timing>
     <p:tnLst>
       <p:par>
-        <p:cTn xmlns:p14="http://schemas.microsoft.com/office/powerpoint/2010/main" id="1" dur="indefinite" restart="never" nodeType="tmRoot"/>
+        <p:cTn id="1" dur="indefinite" restart="never" nodeType="tmRoot"/>
       </p:par>
     </p:tnLst>
   </p:timing>
@@ -7764,14 +7854,14 @@
           </a:ln>
           <a:effectLst/>
           <a:extLst>
-            <a:ext uri="{909E8E84-426E-40dd-AFC4-6F175D3DCCD1}">
+            <a:ext uri="{909E8E84-426E-40DD-AFC4-6F175D3DCCD1}">
               <a14:hiddenFill xmlns:a14="http://schemas.microsoft.com/office/drawing/2010/main">
                 <a:solidFill>
                   <a:schemeClr val="accent1"/>
                 </a:solidFill>
               </a14:hiddenFill>
             </a:ext>
-            <a:ext uri="{91240B29-F687-4f45-9708-019B960494DF}">
+            <a:ext uri="{91240B29-F687-4F45-9708-019B960494DF}">
               <a14:hiddenLine xmlns:a14="http://schemas.microsoft.com/office/drawing/2010/main" w="9525">
                 <a:solidFill>
                   <a:schemeClr val="tx1"/>
@@ -7781,7 +7871,7 @@
                 <a:tailEnd/>
               </a14:hiddenLine>
             </a:ext>
-            <a:ext uri="{AF507438-7753-43e0-B8FC-AC1667EBCBE1}">
+            <a:ext uri="{AF507438-7753-43E0-B8FC-AC1667EBCBE1}">
               <a14:hiddenEffects xmlns:a14="http://schemas.microsoft.com/office/drawing/2010/main">
                 <a:effectLst>
                   <a:outerShdw dist="35921" dir="2700000" algn="ctr" rotWithShape="0">
@@ -7803,13 +7893,13 @@
   <p:clrMapOvr>
     <a:masterClrMapping/>
   </p:clrMapOvr>
-  <p:transition xmlns:p14="http://schemas.microsoft.com/office/powerpoint/2010/main">
+  <p:transition>
     <p:randomBar/>
   </p:transition>
   <p:timing>
     <p:tnLst>
       <p:par>
-        <p:cTn xmlns:p14="http://schemas.microsoft.com/office/powerpoint/2010/main" id="1" dur="indefinite" restart="never" nodeType="tmRoot"/>
+        <p:cTn id="1" dur="indefinite" restart="never" nodeType="tmRoot"/>
       </p:par>
     </p:tnLst>
   </p:timing>
@@ -7950,7 +8040,7 @@
           </a:prstGeom>
           <a:noFill/>
           <a:extLst>
-            <a:ext uri="{909E8E84-426E-40dd-AFC4-6F175D3DCCD1}">
+            <a:ext uri="{909E8E84-426E-40DD-AFC4-6F175D3DCCD1}">
               <a14:hiddenFill xmlns:a14="http://schemas.microsoft.com/office/drawing/2010/main">
                 <a:solidFill>
                   <a:srgbClr val="FFFFFF"/>
@@ -7995,14 +8085,14 @@
           </a:ln>
           <a:effectLst/>
           <a:extLst>
-            <a:ext uri="{909E8E84-426E-40dd-AFC4-6F175D3DCCD1}">
+            <a:ext uri="{909E8E84-426E-40DD-AFC4-6F175D3DCCD1}">
               <a14:hiddenFill xmlns:a14="http://schemas.microsoft.com/office/drawing/2010/main">
                 <a:solidFill>
                   <a:schemeClr val="accent1"/>
                 </a:solidFill>
               </a14:hiddenFill>
             </a:ext>
-            <a:ext uri="{91240B29-F687-4f45-9708-019B960494DF}">
+            <a:ext uri="{91240B29-F687-4F45-9708-019B960494DF}">
               <a14:hiddenLine xmlns:a14="http://schemas.microsoft.com/office/drawing/2010/main" w="9525">
                 <a:solidFill>
                   <a:schemeClr val="tx1"/>
@@ -8012,7 +8102,7 @@
                 <a:tailEnd/>
               </a14:hiddenLine>
             </a:ext>
-            <a:ext uri="{AF507438-7753-43e0-B8FC-AC1667EBCBE1}">
+            <a:ext uri="{AF507438-7753-43E0-B8FC-AC1667EBCBE1}">
               <a14:hiddenEffects xmlns:a14="http://schemas.microsoft.com/office/drawing/2010/main">
                 <a:effectLst>
                   <a:outerShdw dist="35921" dir="2700000" algn="ctr" rotWithShape="0">
@@ -8034,13 +8124,13 @@
   <p:clrMapOvr>
     <a:masterClrMapping/>
   </p:clrMapOvr>
-  <p:transition xmlns:p14="http://schemas.microsoft.com/office/powerpoint/2010/main">
+  <p:transition>
     <p:randomBar/>
   </p:transition>
   <p:timing>
     <p:tnLst>
       <p:par>
-        <p:cTn xmlns:p14="http://schemas.microsoft.com/office/powerpoint/2010/main" id="1" dur="indefinite" restart="never" nodeType="tmRoot"/>
+        <p:cTn id="1" dur="indefinite" restart="never" nodeType="tmRoot"/>
       </p:par>
     </p:tnLst>
   </p:timing>
@@ -8095,7 +8185,7 @@
           </a:prstGeom>
           <a:noFill/>
           <a:extLst>
-            <a:ext uri="{909E8E84-426E-40dd-AFC4-6F175D3DCCD1}">
+            <a:ext uri="{909E8E84-426E-40DD-AFC4-6F175D3DCCD1}">
               <a14:hiddenFill xmlns:a14="http://schemas.microsoft.com/office/drawing/2010/main">
                 <a:solidFill>
                   <a:srgbClr val="FFFFFF"/>
@@ -8136,7 +8226,7 @@
           </a:prstGeom>
           <a:noFill/>
           <a:extLst>
-            <a:ext uri="{909E8E84-426E-40dd-AFC4-6F175D3DCCD1}">
+            <a:ext uri="{909E8E84-426E-40DD-AFC4-6F175D3DCCD1}">
               <a14:hiddenFill xmlns:a14="http://schemas.microsoft.com/office/drawing/2010/main">
                 <a:solidFill>
                   <a:srgbClr val="FFFFFF"/>
@@ -8361,7 +8451,7 @@
           </a:prstGeom>
           <a:noFill/>
           <a:extLst>
-            <a:ext uri="{909E8E84-426E-40dd-AFC4-6F175D3DCCD1}">
+            <a:ext uri="{909E8E84-426E-40DD-AFC4-6F175D3DCCD1}">
               <a14:hiddenFill xmlns:a14="http://schemas.microsoft.com/office/drawing/2010/main">
                 <a:solidFill>
                   <a:srgbClr val="FFFFFF"/>
@@ -8402,7 +8492,7 @@
           </a:prstGeom>
           <a:noFill/>
           <a:extLst>
-            <a:ext uri="{909E8E84-426E-40dd-AFC4-6F175D3DCCD1}">
+            <a:ext uri="{909E8E84-426E-40DD-AFC4-6F175D3DCCD1}">
               <a14:hiddenFill xmlns:a14="http://schemas.microsoft.com/office/drawing/2010/main">
                 <a:solidFill>
                   <a:srgbClr val="FFFFFF"/>
@@ -8422,13 +8512,13 @@
   <p:clrMapOvr>
     <a:masterClrMapping/>
   </p:clrMapOvr>
-  <p:transition xmlns:p14="http://schemas.microsoft.com/office/powerpoint/2010/main">
+  <p:transition>
     <p:randomBar/>
   </p:transition>
   <p:timing>
     <p:tnLst>
       <p:par>
-        <p:cTn xmlns:p14="http://schemas.microsoft.com/office/powerpoint/2010/main" id="1" dur="indefinite" restart="never" nodeType="tmRoot"/>
+        <p:cTn id="1" dur="indefinite" restart="never" nodeType="tmRoot"/>
       </p:par>
     </p:tnLst>
   </p:timing>
@@ -8506,7 +8596,7 @@
           </a:prstGeom>
           <a:noFill/>
           <a:extLst>
-            <a:ext uri="{909E8E84-426E-40dd-AFC4-6F175D3DCCD1}">
+            <a:ext uri="{909E8E84-426E-40DD-AFC4-6F175D3DCCD1}">
               <a14:hiddenFill xmlns:a14="http://schemas.microsoft.com/office/drawing/2010/main">
                 <a:solidFill>
                   <a:srgbClr val="FFFFFF"/>
@@ -8526,13 +8616,13 @@
   <p:clrMapOvr>
     <a:masterClrMapping/>
   </p:clrMapOvr>
-  <p:transition xmlns:p14="http://schemas.microsoft.com/office/powerpoint/2010/main">
+  <p:transition>
     <p:randomBar/>
   </p:transition>
   <p:timing>
     <p:tnLst>
       <p:par>
-        <p:cTn xmlns:p14="http://schemas.microsoft.com/office/powerpoint/2010/main" id="1" dur="indefinite" restart="never" nodeType="tmRoot"/>
+        <p:cTn id="1" dur="indefinite" restart="never" nodeType="tmRoot"/>
       </p:par>
     </p:tnLst>
   </p:timing>
@@ -8661,7 +8751,7 @@
           </a:prstGeom>
           <a:noFill/>
           <a:extLst>
-            <a:ext uri="{909E8E84-426E-40dd-AFC4-6F175D3DCCD1}">
+            <a:ext uri="{909E8E84-426E-40DD-AFC4-6F175D3DCCD1}">
               <a14:hiddenFill xmlns:a14="http://schemas.microsoft.com/office/drawing/2010/main">
                 <a:solidFill>
                   <a:srgbClr val="FFFFFF"/>
@@ -8702,7 +8792,7 @@
           </a:prstGeom>
           <a:noFill/>
           <a:extLst>
-            <a:ext uri="{909E8E84-426E-40dd-AFC4-6F175D3DCCD1}">
+            <a:ext uri="{909E8E84-426E-40DD-AFC4-6F175D3DCCD1}">
               <a14:hiddenFill xmlns:a14="http://schemas.microsoft.com/office/drawing/2010/main">
                 <a:solidFill>
                   <a:srgbClr val="FFFFFF"/>
@@ -8743,7 +8833,7 @@
           </a:prstGeom>
           <a:noFill/>
           <a:extLst>
-            <a:ext uri="{909E8E84-426E-40dd-AFC4-6F175D3DCCD1}">
+            <a:ext uri="{909E8E84-426E-40DD-AFC4-6F175D3DCCD1}">
               <a14:hiddenFill xmlns:a14="http://schemas.microsoft.com/office/drawing/2010/main">
                 <a:solidFill>
                   <a:srgbClr val="FFFFFF"/>
@@ -8784,7 +8874,7 @@
           </a:prstGeom>
           <a:noFill/>
           <a:extLst>
-            <a:ext uri="{909E8E84-426E-40dd-AFC4-6F175D3DCCD1}">
+            <a:ext uri="{909E8E84-426E-40DD-AFC4-6F175D3DCCD1}">
               <a14:hiddenFill xmlns:a14="http://schemas.microsoft.com/office/drawing/2010/main">
                 <a:solidFill>
                   <a:srgbClr val="FFFFFF"/>
@@ -8825,7 +8915,7 @@
           </a:prstGeom>
           <a:noFill/>
           <a:extLst>
-            <a:ext uri="{909E8E84-426E-40dd-AFC4-6F175D3DCCD1}">
+            <a:ext uri="{909E8E84-426E-40DD-AFC4-6F175D3DCCD1}">
               <a14:hiddenFill xmlns:a14="http://schemas.microsoft.com/office/drawing/2010/main">
                 <a:solidFill>
                   <a:srgbClr val="FFFFFF"/>
@@ -8845,13 +8935,13 @@
   <p:clrMapOvr>
     <a:masterClrMapping/>
   </p:clrMapOvr>
-  <p:transition xmlns:p14="http://schemas.microsoft.com/office/powerpoint/2010/main">
+  <p:transition>
     <p:randomBar/>
   </p:transition>
   <p:timing>
     <p:tnLst>
       <p:par>
-        <p:cTn xmlns:p14="http://schemas.microsoft.com/office/powerpoint/2010/main" id="1" dur="indefinite" restart="never" nodeType="tmRoot"/>
+        <p:cTn id="1" dur="indefinite" restart="never" nodeType="tmRoot"/>
       </p:par>
     </p:tnLst>
   </p:timing>
@@ -8906,7 +8996,7 @@
           </a:prstGeom>
           <a:noFill/>
           <a:extLst>
-            <a:ext uri="{909E8E84-426E-40dd-AFC4-6F175D3DCCD1}">
+            <a:ext uri="{909E8E84-426E-40DD-AFC4-6F175D3DCCD1}">
               <a14:hiddenFill xmlns:a14="http://schemas.microsoft.com/office/drawing/2010/main">
                 <a:solidFill>
                   <a:srgbClr val="FFFFFF"/>
@@ -9065,13 +9155,13 @@
   <p:clrMapOvr>
     <a:masterClrMapping/>
   </p:clrMapOvr>
-  <p:transition xmlns:p14="http://schemas.microsoft.com/office/powerpoint/2010/main">
+  <p:transition>
     <p:randomBar/>
   </p:transition>
   <p:timing>
     <p:tnLst>
       <p:par>
-        <p:cTn xmlns:p14="http://schemas.microsoft.com/office/powerpoint/2010/main" id="1" dur="indefinite" restart="never" nodeType="tmRoot"/>
+        <p:cTn id="1" dur="indefinite" restart="never" nodeType="tmRoot"/>
       </p:par>
     </p:tnLst>
   </p:timing>
